--- a/presentation/render/eng_contextual_awareness.pptx
+++ b/presentation/render/eng_contextual_awareness.pptx
@@ -3231,7 +3231,7 @@
                     <a:bodyPr/>
                     <a:lstStyle/>
                     <a:p>
-                      <a:pPr lvl="0" marL="0" indent="0" algn="l">
+                      <a:pPr lvl="0" marL="0" indent="0">
                         <a:buNone/>
                       </a:pPr>
                       <a:r>
@@ -3273,7 +3273,7 @@
                     <a:bodyPr/>
                     <a:lstStyle/>
                     <a:p>
-                      <a:pPr lvl="0" marL="0" indent="0" algn="l">
+                      <a:pPr lvl="0" marL="0" indent="0">
                         <a:buNone/>
                       </a:pPr>
                       <a:r>
@@ -3302,7 +3302,7 @@
                       </a:r>
                       <a:r>
                         <a:rPr/>
-                        <a:t>##</a:t>
+                        <a:t>-</a:t>
                       </a:r>
                       <a:r>
                         <a:rPr/>
@@ -3358,7 +3358,7 @@
                       </a:r>
                       <a:r>
                         <a:rPr/>
-                        <a:t>##</a:t>
+                        <a:t>-</a:t>
                       </a:r>
                       <a:r>
                         <a:rPr/>
@@ -3496,6 +3496,47 @@
       </p:grpSpPr>
       <p:sp>
         <p:nvSpPr>
+          <p:cNvPr id="2" name="Title 1"/>
+          <p:cNvSpPr>
+            <a:spLocks noGrp="1"/>
+          </p:cNvSpPr>
+          <p:nvPr>
+            <p:ph type="title"/>
+          </p:nvPr>
+        </p:nvSpPr>
+        <p:spPr/>
+        <p:txBody>
+          <a:bodyPr/>
+          <a:lstStyle/>
+          <a:p>
+            <a:pPr lvl="0" marL="0" indent="0">
+              <a:buNone/>
+            </a:pPr>
+            <a:r>
+              <a:rPr/>
+              <a:t>Context</a:t>
+            </a:r>
+            <a:r>
+              <a:rPr/>
+              <a:t> </a:t>
+            </a:r>
+            <a:r>
+              <a:rPr/>
+              <a:t>about</a:t>
+            </a:r>
+            <a:r>
+              <a:rPr/>
+              <a:t> </a:t>
+            </a:r>
+            <a:r>
+              <a:rPr/>
+              <a:t>context</a:t>
+            </a:r>
+          </a:p>
+        </p:txBody>
+      </p:sp>
+      <p:sp>
+        <p:nvSpPr>
           <p:cNvPr id="3" name="Content Placeholder 2"/>
           <p:cNvSpPr>
             <a:spLocks noGrp="1"/>
@@ -3509,15 +3550,10 @@
           <a:bodyPr/>
           <a:lstStyle/>
           <a:p>
-            <a:pPr lvl="0" marL="0" indent="0">
-              <a:spcBef>
-                <a:spcPts val="3000"/>
-              </a:spcBef>
-              <a:buNone/>
-            </a:pPr>
-            <a:r>
-              <a:rPr b="1"/>
-              <a:t># Context about context</a:t>
+            <a:pPr lvl="1"/>
+            <a:r>
+              <a:rPr/>
+              <a:t>It’s contexts all the way down</a:t>
             </a:r>
           </a:p>
         </p:txBody>
@@ -3528,129 +3564,6 @@
 </file>
 
 <file path=ppt/slides/slide4.xml><?xml version="1.0" encoding="utf-8"?>
-<p:sld xmlns:a="http://schemas.openxmlformats.org/drawingml/2006/main" xmlns:r="http://schemas.openxmlformats.org/officeDocument/2006/relationships" xmlns:p="http://schemas.openxmlformats.org/presentationml/2006/main">
-  <p:cSld>
-    <p:spTree>
-      <p:nvGrpSpPr>
-        <p:cNvPr id="1" name=""/>
-        <p:cNvGrpSpPr/>
-        <p:nvPr/>
-      </p:nvGrpSpPr>
-      <p:grpSpPr>
-        <a:xfrm>
-          <a:off x="0" y="0"/>
-          <a:ext cx="0" cy="0"/>
-          <a:chOff x="0" y="0"/>
-          <a:chExt cx="0" cy="0"/>
-        </a:xfrm>
-      </p:grpSpPr>
-      <p:sp>
-        <p:nvSpPr>
-          <p:cNvPr id="2" name="Title 1"/>
-          <p:cNvSpPr>
-            <a:spLocks noGrp="1"/>
-          </p:cNvSpPr>
-          <p:nvPr>
-            <p:ph type="title"/>
-          </p:nvPr>
-        </p:nvSpPr>
-        <p:spPr/>
-        <p:txBody>
-          <a:bodyPr/>
-          <a:lstStyle/>
-          <a:p>
-            <a:pPr lvl="0" marL="0" indent="0">
-              <a:buNone/>
-            </a:pPr>
-            <a:r>
-              <a:rPr/>
-              <a:t>Etymology</a:t>
-            </a:r>
-            <a:r>
-              <a:rPr/>
-              <a:t> </a:t>
-            </a:r>
-            <a:r>
-              <a:rPr/>
-              <a:t>of</a:t>
-            </a:r>
-            <a:r>
-              <a:rPr/>
-              <a:t> </a:t>
-            </a:r>
-            <a:r>
-              <a:rPr/>
-              <a:t>context</a:t>
-            </a:r>
-          </a:p>
-        </p:txBody>
-      </p:sp>
-      <p:sp>
-        <p:nvSpPr>
-          <p:cNvPr id="3" name="Content Placeholder 2"/>
-          <p:cNvSpPr>
-            <a:spLocks noGrp="1"/>
-          </p:cNvSpPr>
-          <p:nvPr>
-            <p:ph idx="1"/>
-          </p:nvPr>
-        </p:nvSpPr>
-        <p:spPr/>
-        <p:txBody>
-          <a:bodyPr/>
-          <a:lstStyle/>
-          <a:p>
-            <a:pPr lvl="1"/>
-            <a:r>
-              <a:rPr/>
-              <a:t>Root Latin </a:t>
-            </a:r>
-            <a:r>
-              <a:rPr>
-                <a:latin typeface="Courier"/>
-              </a:rPr>
-              <a:t>contextus</a:t>
-            </a:r>
-            <a:r>
-              <a:rPr/>
-              <a:t>, from </a:t>
-            </a:r>
-            <a:r>
-              <a:rPr>
-                <a:latin typeface="Courier"/>
-              </a:rPr>
-              <a:t>con</a:t>
-            </a:r>
-            <a:r>
-              <a:rPr/>
-              <a:t>- ‘together’ + </a:t>
-            </a:r>
-            <a:r>
-              <a:rPr>
-                <a:latin typeface="Courier"/>
-              </a:rPr>
-              <a:t>texere</a:t>
-            </a:r>
-            <a:r>
-              <a:rPr/>
-              <a:t> ‘to weave’.</a:t>
-            </a:r>
-          </a:p>
-          <a:p>
-            <a:pPr lvl="1"/>
-            <a:r>
-              <a:rPr/>
-              <a:t>Same root word as text.</a:t>
-            </a:r>
-          </a:p>
-        </p:txBody>
-      </p:sp>
-    </p:spTree>
-  </p:cSld>
-</p:sld>
-</file>
-
-<file path=ppt/slides/slide5.xml><?xml version="1.0" encoding="utf-8"?>
 <p:sld xmlns:a="http://schemas.openxmlformats.org/drawingml/2006/main" xmlns:r="http://schemas.openxmlformats.org/officeDocument/2006/relationships" xmlns:p="http://schemas.openxmlformats.org/presentationml/2006/main">
   <p:cSld>
     <p:spTree>
@@ -3709,39 +3622,23 @@
                       </a:r>
                       <a:r>
                         <a:rPr/>
-                        <a:t>Human</a:t>
-                      </a:r>
-                      <a:r>
-                        <a:rPr/>
-                        <a:t> </a:t>
-                      </a:r>
-                      <a:r>
-                        <a:rPr/>
-                        <a:t>Context</a:t>
-                      </a:r>
-                      <a:r>
-                        <a:rPr/>
-                        <a:t> </a:t>
-                      </a:r>
-                      <a:r>
-                        <a:rPr/>
-                        <a:t>w.r.t</a:t>
-                      </a:r>
-                      <a:r>
-                        <a:rPr/>
-                        <a:t> </a:t>
-                      </a:r>
-                      <a:r>
-                        <a:rPr/>
-                        <a:t>Engineering</a:t>
-                      </a:r>
-                      <a:r>
-                        <a:rPr/>
-                        <a:t> </a:t>
-                      </a:r>
-                      <a:r>
-                        <a:rPr/>
-                        <a:t>product</a:t>
+                        <a:t>Etymology</a:t>
+                      </a:r>
+                      <a:r>
+                        <a:rPr/>
+                        <a:t> </a:t>
+                      </a:r>
+                      <a:r>
+                        <a:rPr/>
+                        <a:t>of</a:t>
+                      </a:r>
+                      <a:r>
+                        <a:rPr/>
+                        <a:t> </a:t>
+                      </a:r>
+                      <a:r>
+                        <a:rPr/>
+                        <a:t>context</a:t>
                       </a:r>
                     </a:p>
                   </a:txBody>
@@ -3767,15 +3664,39 @@
                       </a:r>
                       <a:r>
                         <a:rPr/>
-                        <a:t>Folks</a:t>
-                      </a:r>
-                      <a:r>
-                        <a:rPr/>
-                        <a:t> </a:t>
-                      </a:r>
-                      <a:r>
-                        <a:rPr/>
-                        <a:t>Contributing</a:t>
+                        <a:t>Human</a:t>
+                      </a:r>
+                      <a:r>
+                        <a:rPr/>
+                        <a:t> </a:t>
+                      </a:r>
+                      <a:r>
+                        <a:rPr/>
+                        <a:t>Context</a:t>
+                      </a:r>
+                      <a:r>
+                        <a:rPr/>
+                        <a:t> </a:t>
+                      </a:r>
+                      <a:r>
+                        <a:rPr/>
+                        <a:t>w.r.t</a:t>
+                      </a:r>
+                      <a:r>
+                        <a:rPr/>
+                        <a:t> </a:t>
+                      </a:r>
+                      <a:r>
+                        <a:rPr/>
+                        <a:t>Engineering</a:t>
+                      </a:r>
+                      <a:r>
+                        <a:rPr/>
+                        <a:t> </a:t>
+                      </a:r>
+                      <a:r>
+                        <a:rPr/>
+                        <a:t>product</a:t>
                       </a:r>
                     </a:p>
                   </a:txBody>
@@ -3792,183 +3713,87 @@
                       </a:pPr>
                       <a:r>
                         <a:rPr/>
-                        <a:t>*</a:t>
-                      </a:r>
-                      <a:r>
-                        <a:rPr/>
-                        <a:t> </a:t>
-                      </a:r>
-                      <a:r>
-                        <a:rPr/>
-                        <a:t>Async</a:t>
-                      </a:r>
-                      <a:r>
-                        <a:rPr/>
-                        <a:t> </a:t>
-                      </a:r>
-                      <a:r>
-                        <a:rPr/>
-                        <a:t>vs</a:t>
-                      </a:r>
-                      <a:r>
-                        <a:rPr/>
-                        <a:t> </a:t>
-                      </a:r>
-                      <a:r>
-                        <a:rPr/>
-                        <a:t>synchronous</a:t>
-                      </a:r>
-                      <a:r>
-                        <a:rPr/>
-                        <a:t> </a:t>
-                      </a:r>
-                      <a:r>
-                        <a:rPr/>
-                        <a:t>contribution</a:t>
-                      </a:r>
-                      <a:r>
-                        <a:rPr/>
-                        <a:t> </a:t>
-                      </a:r>
-                      <a:r>
-                        <a:rPr/>
-                        <a:t>*</a:t>
-                      </a:r>
-                      <a:r>
-                        <a:rPr/>
-                        <a:t> </a:t>
-                      </a:r>
-                      <a:r>
-                        <a:rPr/>
-                        <a:t>ReadWrite</a:t>
-                      </a:r>
-                      <a:r>
-                        <a:rPr/>
-                        <a:t> </a:t>
-                      </a:r>
-                      <a:r>
-                        <a:rPr/>
-                        <a:t>vs</a:t>
-                      </a:r>
-                      <a:r>
-                        <a:rPr/>
-                        <a:t> </a:t>
-                      </a:r>
-                      <a:r>
-                        <a:rPr/>
-                        <a:t>ReadOnly</a:t>
-                      </a:r>
-                      <a:r>
-                        <a:rPr/>
-                        <a:t> </a:t>
-                      </a:r>
-                      <a:r>
-                        <a:rPr/>
-                        <a:t>*</a:t>
-                      </a:r>
-                      <a:r>
-                        <a:rPr/>
-                        <a:t> </a:t>
-                      </a:r>
-                      <a:r>
-                        <a:rPr/>
-                        <a:t>Short</a:t>
-                      </a:r>
-                      <a:r>
-                        <a:rPr/>
-                        <a:t> </a:t>
-                      </a:r>
-                      <a:r>
-                        <a:rPr/>
-                        <a:t>Term</a:t>
-                      </a:r>
-                      <a:r>
-                        <a:rPr/>
-                        <a:t> </a:t>
-                      </a:r>
-                      <a:r>
-                        <a:rPr/>
-                        <a:t>vs</a:t>
-                      </a:r>
-                      <a:r>
-                        <a:rPr/>
-                        <a:t> </a:t>
-                      </a:r>
-                      <a:r>
-                        <a:rPr/>
-                        <a:t>(Mid</a:t>
-                      </a:r>
-                      <a:r>
-                        <a:rPr/>
-                        <a:t> </a:t>
-                      </a:r>
-                      <a:r>
-                        <a:rPr/>
-                        <a:t>to</a:t>
-                      </a:r>
-                      <a:r>
-                        <a:rPr/>
-                        <a:t> </a:t>
-                      </a:r>
-                      <a:r>
-                        <a:rPr/>
-                        <a:t>Long</a:t>
-                      </a:r>
-                      <a:r>
-                        <a:rPr/>
-                        <a:t> </a:t>
-                      </a:r>
-                      <a:r>
-                        <a:rPr/>
-                        <a:t>term)</a:t>
-                      </a:r>
-                      <a:r>
-                        <a:rPr/>
-                        <a:t> </a:t>
-                      </a:r>
-                      <a:r>
-                        <a:rPr/>
-                        <a:t>*</a:t>
-                      </a:r>
-                      <a:r>
-                        <a:rPr/>
-                        <a:t> </a:t>
-                      </a:r>
-                      <a:r>
-                        <a:rPr/>
-                        <a:t>Fixing</a:t>
-                      </a:r>
-                      <a:r>
-                        <a:rPr/>
-                        <a:t> </a:t>
-                      </a:r>
-                      <a:r>
-                        <a:rPr/>
-                        <a:t>a</a:t>
-                      </a:r>
-                      <a:r>
-                        <a:rPr/>
-                        <a:t> </a:t>
-                      </a:r>
-                      <a:r>
-                        <a:rPr/>
-                        <a:t>bug</a:t>
-                      </a:r>
-                      <a:r>
-                        <a:rPr/>
-                        <a:t> </a:t>
-                      </a:r>
-                      <a:r>
-                        <a:rPr/>
-                        <a:t>vs</a:t>
-                      </a:r>
-                      <a:r>
-                        <a:rPr/>
-                        <a:t> </a:t>
-                      </a:r>
-                      <a:r>
-                        <a:rPr/>
-                        <a:t>Maintainer</a:t>
+                        <a:t>-</a:t>
+                      </a:r>
+                      <a:r>
+                        <a:rPr/>
+                        <a:t> </a:t>
+                      </a:r>
+                      <a:r>
+                        <a:rPr/>
+                        <a:t>Folks</a:t>
+                      </a:r>
+                      <a:r>
+                        <a:rPr/>
+                        <a:t> </a:t>
+                      </a:r>
+                      <a:r>
+                        <a:rPr/>
+                        <a:t>Contributing</a:t>
+                      </a:r>
+                      <a:r>
+                        <a:rPr/>
+                        <a:t> </a:t>
+                      </a:r>
+                      <a:r>
+                        <a:rPr/>
+                        <a:t>(We</a:t>
+                      </a:r>
+                      <a:r>
+                        <a:rPr/>
+                        <a:t> </a:t>
+                      </a:r>
+                      <a:r>
+                        <a:rPr/>
+                        <a:t>will</a:t>
+                      </a:r>
+                      <a:r>
+                        <a:rPr/>
+                        <a:t> </a:t>
+                      </a:r>
+                      <a:r>
+                        <a:rPr/>
+                        <a:t>focus</a:t>
+                      </a:r>
+                      <a:r>
+                        <a:rPr/>
+                        <a:t> </a:t>
+                      </a:r>
+                      <a:r>
+                        <a:rPr/>
+                        <a:t>here)</a:t>
+                      </a:r>
+                      <a:r>
+                        <a:rPr/>
+                        <a:t> </a:t>
+                      </a:r>
+                      <a:r>
+                        <a:rPr/>
+                        <a:t>-</a:t>
+                      </a:r>
+                      <a:r>
+                        <a:rPr/>
+                        <a:t> </a:t>
+                      </a:r>
+                      <a:r>
+                        <a:rPr/>
+                        <a:t>Folks</a:t>
+                      </a:r>
+                      <a:r>
+                        <a:rPr/>
+                        <a:t> </a:t>
+                      </a:r>
+                      <a:r>
+                        <a:rPr/>
+                        <a:t>using</a:t>
+                      </a:r>
+                      <a:r>
+                        <a:rPr/>
+                        <a:t> </a:t>
+                      </a:r>
+                      <a:r>
+                        <a:rPr/>
+                        <a:t>product</a:t>
                       </a:r>
                     </a:p>
                   </a:txBody>
@@ -3978,6 +3803,105 @@
           </a:graphicData>
         </a:graphic>
       </p:graphicFrame>
+    </p:spTree>
+  </p:cSld>
+</p:sld>
+</file>
+
+<file path=ppt/slides/slide5.xml><?xml version="1.0" encoding="utf-8"?>
+<p:sld xmlns:a="http://schemas.openxmlformats.org/drawingml/2006/main" xmlns:r="http://schemas.openxmlformats.org/officeDocument/2006/relationships" xmlns:p="http://schemas.openxmlformats.org/presentationml/2006/main">
+  <p:cSld>
+    <p:spTree>
+      <p:nvGrpSpPr>
+        <p:cNvPr id="1" name=""/>
+        <p:cNvGrpSpPr/>
+        <p:nvPr/>
+      </p:nvGrpSpPr>
+      <p:grpSpPr>
+        <a:xfrm>
+          <a:off x="0" y="0"/>
+          <a:ext cx="0" cy="0"/>
+          <a:chOff x="0" y="0"/>
+          <a:chExt cx="0" cy="0"/>
+        </a:xfrm>
+      </p:grpSpPr>
+      <p:sp>
+        <p:nvSpPr>
+          <p:cNvPr id="2" name="Title 1"/>
+          <p:cNvSpPr>
+            <a:spLocks noGrp="1"/>
+          </p:cNvSpPr>
+          <p:nvPr>
+            <p:ph type="title"/>
+          </p:nvPr>
+        </p:nvSpPr>
+        <p:spPr/>
+        <p:txBody>
+          <a:bodyPr/>
+          <a:lstStyle/>
+          <a:p>
+            <a:pPr lvl="0" marL="0" indent="0">
+              <a:buNone/>
+            </a:pPr>
+            <a:r>
+              <a:rPr/>
+              <a:t>Folks</a:t>
+            </a:r>
+            <a:r>
+              <a:rPr/>
+              <a:t> </a:t>
+            </a:r>
+            <a:r>
+              <a:rPr/>
+              <a:t>Contributing</a:t>
+            </a:r>
+          </a:p>
+        </p:txBody>
+      </p:sp>
+      <p:sp>
+        <p:nvSpPr>
+          <p:cNvPr id="3" name="Content Placeholder 2"/>
+          <p:cNvSpPr>
+            <a:spLocks noGrp="1"/>
+          </p:cNvSpPr>
+          <p:nvPr>
+            <p:ph idx="1"/>
+          </p:nvPr>
+        </p:nvSpPr>
+        <p:spPr/>
+        <p:txBody>
+          <a:bodyPr/>
+          <a:lstStyle/>
+          <a:p>
+            <a:pPr lvl="1"/>
+            <a:r>
+              <a:rPr/>
+              <a:t>Async vs synchronous contribution</a:t>
+            </a:r>
+          </a:p>
+          <a:p>
+            <a:pPr lvl="1"/>
+            <a:r>
+              <a:rPr/>
+              <a:t>ReadWrite vs ReadOnly</a:t>
+            </a:r>
+          </a:p>
+          <a:p>
+            <a:pPr lvl="1"/>
+            <a:r>
+              <a:rPr/>
+              <a:t>Short Term vs (Mid to Long term)</a:t>
+            </a:r>
+          </a:p>
+          <a:p>
+            <a:pPr lvl="2"/>
+            <a:r>
+              <a:rPr/>
+              <a:t>Fixing a bug vs Maintainer</a:t>
+            </a:r>
+          </a:p>
+        </p:txBody>
+      </p:sp>
     </p:spTree>
   </p:cSld>
 </p:sld>
@@ -4000,220 +3924,406 @@
           <a:chExt cx="0" cy="0"/>
         </a:xfrm>
       </p:grpSpPr>
-      <p:sp>
-        <p:nvSpPr>
-          <p:cNvPr id="2" name="Title 1"/>
-          <p:cNvSpPr>
-            <a:spLocks noGrp="1"/>
-          </p:cNvSpPr>
-          <p:nvPr>
-            <p:ph type="title"/>
-          </p:nvPr>
-        </p:nvSpPr>
-        <p:spPr/>
-        <p:txBody>
-          <a:bodyPr/>
-          <a:lstStyle/>
-          <a:p>
-            <a:pPr lvl="0" marL="0" indent="0">
-              <a:buNone/>
-            </a:pPr>
-            <a:r>
-              <a:rPr/>
-              <a:t>Async</a:t>
-            </a:r>
-            <a:r>
-              <a:rPr/>
-              <a:t> </a:t>
-            </a:r>
-            <a:r>
-              <a:rPr/>
-              <a:t>Context</a:t>
-            </a:r>
-            <a:r>
-              <a:rPr/>
-              <a:t> </a:t>
-            </a:r>
-            <a:r>
-              <a:rPr/>
-              <a:t>ReadWrite</a:t>
-            </a:r>
-            <a:r>
-              <a:rPr/>
-              <a:t> </a:t>
-            </a:r>
-            <a:r>
-              <a:rPr/>
-              <a:t>Medium</a:t>
-            </a:r>
-          </a:p>
-        </p:txBody>
-      </p:sp>
-      <p:sp>
-        <p:nvSpPr>
-          <p:cNvPr id="3" name="Content Placeholder 2"/>
-          <p:cNvSpPr>
-            <a:spLocks noGrp="1"/>
-          </p:cNvSpPr>
+      <p:graphicFrame>
+        <p:nvGraphicFramePr>
+          <p:cNvPr id="6" name="Content Placeholder 5"/>
+          <p:cNvGraphicFramePr>
+            <a:graphicFrameLocks noGrp="1"/>
+          </p:cNvGraphicFramePr>
           <p:nvPr>
             <p:ph idx="1"/>
           </p:nvPr>
-        </p:nvSpPr>
-        <p:spPr/>
-        <p:txBody>
-          <a:bodyPr/>
-          <a:lstStyle/>
-          <a:p>
-            <a:pPr lvl="1"/>
-            <a:r>
-              <a:rPr/>
-              <a:t>Text</a:t>
-            </a:r>
-          </a:p>
-          <a:p>
-            <a:pPr lvl="2"/>
-            <a:r>
-              <a:rPr/>
-              <a:t>Markdown, Wiki, Word</a:t>
-            </a:r>
-          </a:p>
-          <a:p>
-            <a:pPr lvl="1"/>
-            <a:r>
-              <a:rPr/>
-              <a:t>Visual</a:t>
-            </a:r>
-          </a:p>
-          <a:p>
-            <a:pPr lvl="2"/>
-            <a:r>
-              <a:rPr/>
-              <a:t>Graphics</a:t>
-            </a:r>
-          </a:p>
-          <a:p>
-            <a:pPr lvl="3"/>
-            <a:r>
-              <a:rPr/>
-              <a:t>Drawings</a:t>
-            </a:r>
-          </a:p>
-          <a:p>
-            <a:pPr lvl="4"/>
-            <a:r>
-              <a:rPr/>
-              <a:t>Paint app, photo of markerboard/smartboard, vector app.</a:t>
-            </a:r>
-          </a:p>
-          <a:p>
-            <a:pPr lvl="2"/>
-            <a:r>
-              <a:rPr/>
-              <a:t>Presentation</a:t>
-            </a:r>
-          </a:p>
-          <a:p>
-            <a:pPr lvl="3"/>
-            <a:r>
-              <a:rPr/>
-              <a:t>PowerPoint Slides</a:t>
-            </a:r>
-          </a:p>
-          <a:p>
-            <a:pPr lvl="1"/>
-            <a:r>
-              <a:rPr/>
-              <a:t>Interactive</a:t>
-            </a:r>
-          </a:p>
-          <a:p>
-            <a:pPr lvl="2"/>
-            <a:r>
-              <a:rPr/>
-              <a:t>PR collaboration</a:t>
-            </a:r>
-          </a:p>
-          <a:p>
-            <a:pPr lvl="2"/>
-            <a:r>
-              <a:rPr/>
-              <a:t>Word document comments</a:t>
-            </a:r>
-          </a:p>
-          <a:p>
-            <a:pPr lvl="0" marL="0" indent="0">
-              <a:spcBef>
-                <a:spcPts val="3000"/>
-              </a:spcBef>
-              <a:buNone/>
-            </a:pPr>
-            <a:r>
-              <a:rPr b="1"/>
-              <a:t>Email</a:t>
-            </a:r>
-          </a:p>
-          <a:p>
-            <a:pPr lvl="0" marL="0" indent="0">
-              <a:spcBef>
-                <a:spcPts val="3000"/>
-              </a:spcBef>
-              <a:buNone/>
-            </a:pPr>
-            <a:r>
-              <a:rPr b="1"/>
-              <a:t>Async Context ReadOnly Medium</a:t>
-            </a:r>
-          </a:p>
-          <a:p>
-            <a:pPr lvl="1"/>
-            <a:r>
-              <a:rPr/>
-              <a:t>Audio/Visual</a:t>
-            </a:r>
-          </a:p>
-          <a:p>
-            <a:pPr lvl="2"/>
-            <a:r>
-              <a:rPr/>
-              <a:t>Recorded presentation</a:t>
-            </a:r>
-          </a:p>
-          <a:p>
-            <a:pPr lvl="1"/>
-            <a:r>
-              <a:rPr/>
-              <a:t>Documentation Website (No process to contribute)</a:t>
-            </a:r>
-          </a:p>
-          <a:p>
-            <a:pPr lvl="2"/>
-            <a:r>
-              <a:rPr/>
-              <a:t>Guides</a:t>
-            </a:r>
-          </a:p>
-          <a:p>
-            <a:pPr lvl="3"/>
-            <a:r>
-              <a:rPr/>
-              <a:t>Troubleshooting Guides</a:t>
-            </a:r>
-          </a:p>
-          <a:p>
-            <a:pPr lvl="3"/>
-            <a:r>
-              <a:rPr/>
-              <a:t>Tutorials</a:t>
-            </a:r>
-          </a:p>
-        </p:txBody>
-      </p:sp>
+        </p:nvGraphicFramePr>
+        <p:xfrm>
+          <a:off x="457200" y="1600200"/>
+          <a:ext cx="8229600" cy="4521200"/>
+        </p:xfrm>
+        <a:graphic>
+          <a:graphicData uri="http://schemas.openxmlformats.org/drawingml/2006/table">
+            <a:tbl>
+              <a:tblPr firstRow="1" bandRow="1">
+                <a:tableStyleId>{5C22544A-7EE6-4342-B048-85BDC9FD1C3A}</a:tableStyleId>
+              </a:tblPr>
+              <a:tblGrid>
+                <a:gridCol w="8229600"/>
+              </a:tblGrid>
+              <a:tr h="0">
+                <a:tc>
+                  <a:txBody>
+                    <a:bodyPr/>
+                    <a:lstStyle/>
+                    <a:p>
+                      <a:pPr lvl="0" marL="0" indent="0">
+                        <a:buNone/>
+                      </a:pPr>
+                      <a:r>
+                        <a:rPr/>
+                        <a:t>#</a:t>
+                      </a:r>
+                      <a:r>
+                        <a:rPr/>
+                        <a:t> </a:t>
+                      </a:r>
+                      <a:r>
+                        <a:rPr/>
+                        <a:t>Async</a:t>
+                      </a:r>
+                      <a:r>
+                        <a:rPr/>
+                        <a:t> </a:t>
+                      </a:r>
+                      <a:r>
+                        <a:rPr/>
+                        <a:t>Context</a:t>
+                      </a:r>
+                      <a:r>
+                        <a:rPr/>
+                        <a:t> </a:t>
+                      </a:r>
+                      <a:r>
+                        <a:rPr/>
+                        <a:t>ReadWrite</a:t>
+                      </a:r>
+                      <a:r>
+                        <a:rPr/>
+                        <a:t> </a:t>
+                      </a:r>
+                      <a:r>
+                        <a:rPr/>
+                        <a:t>Medium</a:t>
+                      </a:r>
+                    </a:p>
+                  </a:txBody>
+                  <a:tcPr/>
+                </a:tc>
+              </a:tr>
+              <a:tr h="0">
+                <a:tc>
+                  <a:txBody>
+                    <a:bodyPr/>
+                    <a:lstStyle/>
+                    <a:p>
+                      <a:pPr lvl="0" marL="0" indent="0">
+                        <a:buNone/>
+                      </a:pPr>
+                      <a:r>
+                        <a:rPr/>
+                        <a:t>#</a:t>
+                      </a:r>
+                      <a:r>
+                        <a:rPr/>
+                        <a:t> </a:t>
+                      </a:r>
+                      <a:r>
+                        <a:rPr/>
+                        <a:t>Async</a:t>
+                      </a:r>
+                      <a:r>
+                        <a:rPr/>
+                        <a:t> </a:t>
+                      </a:r>
+                      <a:r>
+                        <a:rPr/>
+                        <a:t>Context</a:t>
+                      </a:r>
+                      <a:r>
+                        <a:rPr/>
+                        <a:t> </a:t>
+                      </a:r>
+                      <a:r>
+                        <a:rPr/>
+                        <a:t>ReadOnly</a:t>
+                      </a:r>
+                      <a:r>
+                        <a:rPr/>
+                        <a:t> </a:t>
+                      </a:r>
+                      <a:r>
+                        <a:rPr/>
+                        <a:t>Medium</a:t>
+                      </a:r>
+                    </a:p>
+                  </a:txBody>
+                </a:tc>
+              </a:tr>
+              <a:tr h="0">
+                <a:tc>
+                  <a:txBody>
+                    <a:bodyPr/>
+                    <a:lstStyle/>
+                    <a:p>
+                      <a:pPr lvl="0" marL="0" indent="0">
+                        <a:buNone/>
+                      </a:pPr>
+                      <a:r>
+                        <a:rPr/>
+                        <a:t>-</a:t>
+                      </a:r>
+                      <a:r>
+                        <a:rPr/>
+                        <a:t> </a:t>
+                      </a:r>
+                      <a:r>
+                        <a:rPr/>
+                        <a:t>Audio/Visual</a:t>
+                      </a:r>
+                      <a:r>
+                        <a:rPr/>
+                        <a:t> </a:t>
+                      </a:r>
+                      <a:r>
+                        <a:rPr/>
+                        <a:t>-</a:t>
+                      </a:r>
+                      <a:r>
+                        <a:rPr/>
+                        <a:t> </a:t>
+                      </a:r>
+                      <a:r>
+                        <a:rPr/>
+                        <a:t>Recorded</a:t>
+                      </a:r>
+                      <a:r>
+                        <a:rPr/>
+                        <a:t> </a:t>
+                      </a:r>
+                      <a:r>
+                        <a:rPr/>
+                        <a:t>presentation</a:t>
+                      </a:r>
+                      <a:r>
+                        <a:rPr/>
+                        <a:t> </a:t>
+                      </a:r>
+                      <a:r>
+                        <a:rPr/>
+                        <a:t>-</a:t>
+                      </a:r>
+                      <a:r>
+                        <a:rPr/>
+                        <a:t> </a:t>
+                      </a:r>
+                      <a:r>
+                        <a:rPr/>
+                        <a:t>Documentation</a:t>
+                      </a:r>
+                      <a:r>
+                        <a:rPr/>
+                        <a:t> </a:t>
+                      </a:r>
+                      <a:r>
+                        <a:rPr/>
+                        <a:t>Website</a:t>
+                      </a:r>
+                      <a:r>
+                        <a:rPr/>
+                        <a:t> </a:t>
+                      </a:r>
+                      <a:r>
+                        <a:rPr/>
+                        <a:t>(No</a:t>
+                      </a:r>
+                      <a:r>
+                        <a:rPr/>
+                        <a:t> </a:t>
+                      </a:r>
+                      <a:r>
+                        <a:rPr/>
+                        <a:t>process</a:t>
+                      </a:r>
+                      <a:r>
+                        <a:rPr/>
+                        <a:t> </a:t>
+                      </a:r>
+                      <a:r>
+                        <a:rPr/>
+                        <a:t>to</a:t>
+                      </a:r>
+                      <a:r>
+                        <a:rPr/>
+                        <a:t> </a:t>
+                      </a:r>
+                      <a:r>
+                        <a:rPr/>
+                        <a:t>contribute)</a:t>
+                      </a:r>
+                      <a:r>
+                        <a:rPr/>
+                        <a:t> </a:t>
+                      </a:r>
+                      <a:r>
+                        <a:rPr/>
+                        <a:t>-</a:t>
+                      </a:r>
+                      <a:r>
+                        <a:rPr/>
+                        <a:t> </a:t>
+                      </a:r>
+                      <a:r>
+                        <a:rPr/>
+                        <a:t>Guides</a:t>
+                      </a:r>
+                      <a:r>
+                        <a:rPr/>
+                        <a:t> </a:t>
+                      </a:r>
+                      <a:r>
+                        <a:rPr/>
+                        <a:t>-</a:t>
+                      </a:r>
+                      <a:r>
+                        <a:rPr/>
+                        <a:t> </a:t>
+                      </a:r>
+                      <a:r>
+                        <a:rPr/>
+                        <a:t>Troubleshooting</a:t>
+                      </a:r>
+                      <a:r>
+                        <a:rPr/>
+                        <a:t> </a:t>
+                      </a:r>
+                      <a:r>
+                        <a:rPr/>
+                        <a:t>Guides</a:t>
+                      </a:r>
+                      <a:r>
+                        <a:rPr/>
+                        <a:t> </a:t>
+                      </a:r>
+                      <a:r>
+                        <a:rPr/>
+                        <a:t>-</a:t>
+                      </a:r>
+                      <a:r>
+                        <a:rPr/>
+                        <a:t> </a:t>
+                      </a:r>
+                      <a:r>
+                        <a:rPr/>
+                        <a:t>Tutorials</a:t>
+                      </a:r>
+                    </a:p>
+                  </a:txBody>
+                </a:tc>
+              </a:tr>
+            </a:tbl>
+          </a:graphicData>
+        </a:graphic>
+      </p:graphicFrame>
     </p:spTree>
   </p:cSld>
 </p:sld>
 </file>
 
 <file path=ppt/slides/slide7.xml><?xml version="1.0" encoding="utf-8"?>
+<p:sld xmlns:a="http://schemas.openxmlformats.org/drawingml/2006/main" xmlns:r="http://schemas.openxmlformats.org/officeDocument/2006/relationships" xmlns:p="http://schemas.openxmlformats.org/presentationml/2006/main">
+  <p:cSld>
+    <p:spTree>
+      <p:nvGrpSpPr>
+        <p:cNvPr id="1" name=""/>
+        <p:cNvGrpSpPr/>
+        <p:nvPr/>
+      </p:nvGrpSpPr>
+      <p:grpSpPr>
+        <a:xfrm>
+          <a:off x="0" y="0"/>
+          <a:ext cx="0" cy="0"/>
+          <a:chOff x="0" y="0"/>
+          <a:chExt cx="0" cy="0"/>
+        </a:xfrm>
+      </p:grpSpPr>
+      <p:sp>
+        <p:nvSpPr>
+          <p:cNvPr id="2" name="Title 1"/>
+          <p:cNvSpPr>
+            <a:spLocks noGrp="1"/>
+          </p:cNvSpPr>
+          <p:nvPr>
+            <p:ph type="title"/>
+          </p:nvPr>
+        </p:nvSpPr>
+        <p:spPr/>
+        <p:txBody>
+          <a:bodyPr/>
+          <a:lstStyle/>
+          <a:p>
+            <a:pPr lvl="0" marL="0" indent="0">
+              <a:buNone/>
+            </a:pPr>
+            <a:r>
+              <a:rPr/>
+              <a:t>Synchronous</a:t>
+            </a:r>
+            <a:r>
+              <a:rPr/>
+              <a:t> </a:t>
+            </a:r>
+            <a:r>
+              <a:rPr/>
+              <a:t>Context</a:t>
+            </a:r>
+            <a:r>
+              <a:rPr/>
+              <a:t> </a:t>
+            </a:r>
+            <a:r>
+              <a:rPr/>
+              <a:t>Medium</a:t>
+            </a:r>
+          </a:p>
+        </p:txBody>
+      </p:sp>
+      <p:sp>
+        <p:nvSpPr>
+          <p:cNvPr id="3" name="Content Placeholder 2"/>
+          <p:cNvSpPr>
+            <a:spLocks noGrp="1"/>
+          </p:cNvSpPr>
+          <p:nvPr>
+            <p:ph idx="1"/>
+          </p:nvPr>
+        </p:nvSpPr>
+        <p:spPr/>
+        <p:txBody>
+          <a:bodyPr/>
+          <a:lstStyle/>
+          <a:p>
+            <a:pPr lvl="1"/>
+            <a:r>
+              <a:rPr/>
+              <a:t>Realtime Collaboration.</a:t>
+            </a:r>
+          </a:p>
+          <a:p>
+            <a:pPr lvl="2"/>
+            <a:r>
+              <a:rPr/>
+              <a:t>Meeting, live chat, in person conversation</a:t>
+            </a:r>
+          </a:p>
+          <a:p>
+            <a:pPr lvl="1"/>
+            <a:r>
+              <a:rPr/>
+              <a:t>Single use. Need to repeat for every new person or group of folks.</a:t>
+            </a:r>
+          </a:p>
+          <a:p>
+            <a:pPr lvl="1"/>
+            <a:r>
+              <a:rPr/>
+              <a:t>Doesn’t scale but they are useful.</a:t>
+            </a:r>
+          </a:p>
+        </p:txBody>
+      </p:sp>
+    </p:spTree>
+  </p:cSld>
+</p:sld>
+</file>
+
+<file path=ppt/slides/slide8.xml><?xml version="1.0" encoding="utf-8"?>
 <p:sld xmlns:a="http://schemas.openxmlformats.org/drawingml/2006/main" xmlns:r="http://schemas.openxmlformats.org/officeDocument/2006/relationships" xmlns:p="http://schemas.openxmlformats.org/presentationml/2006/main">
   <p:cSld>
     <p:spTree>
@@ -4272,79 +4382,55 @@
                       </a:r>
                       <a:r>
                         <a:rPr/>
-                        <a:t>Synchronous</a:t>
-                      </a:r>
-                      <a:r>
-                        <a:rPr/>
-                        <a:t> </a:t>
-                      </a:r>
-                      <a:r>
-                        <a:rPr/>
-                        <a:t>Context</a:t>
-                      </a:r>
-                      <a:r>
-                        <a:rPr/>
-                        <a:t> </a:t>
-                      </a:r>
-                      <a:r>
-                        <a:rPr/>
-                        <a:t>Medium</a:t>
-                      </a:r>
-                      <a:r>
-                        <a:rPr/>
-                        <a:t> </a:t>
-                      </a:r>
-                      <a:r>
-                        <a:rPr/>
-                        <a:t>*</a:t>
-                      </a:r>
-                      <a:r>
-                        <a:rPr/>
-                        <a:t> </a:t>
-                      </a:r>
-                      <a:r>
-                        <a:rPr/>
-                        <a:t>Realtime</a:t>
-                      </a:r>
-                      <a:r>
-                        <a:rPr/>
-                        <a:t> </a:t>
-                      </a:r>
-                      <a:r>
-                        <a:rPr/>
-                        <a:t>Collaboration.</a:t>
-                      </a:r>
-                      <a:r>
-                        <a:rPr/>
-                        <a:t> </a:t>
-                      </a:r>
-                      <a:r>
-                        <a:rPr/>
-                        <a:t>*</a:t>
-                      </a:r>
-                      <a:r>
-                        <a:rPr/>
-                        <a:t> </a:t>
-                      </a:r>
-                      <a:r>
-                        <a:rPr/>
-                        <a:t>Meeting,</a:t>
-                      </a:r>
-                      <a:r>
-                        <a:rPr/>
-                        <a:t> </a:t>
-                      </a:r>
-                      <a:r>
-                        <a:rPr/>
-                        <a:t>live</a:t>
-                      </a:r>
-                      <a:r>
-                        <a:rPr/>
-                        <a:t> </a:t>
-                      </a:r>
-                      <a:r>
-                        <a:rPr/>
-                        <a:t>chat,</a:t>
+                        <a:t>Desired</a:t>
+                      </a:r>
+                      <a:r>
+                        <a:rPr/>
+                        <a:t> </a:t>
+                      </a:r>
+                      <a:r>
+                        <a:rPr/>
+                        <a:t>qualities</a:t>
+                      </a:r>
+                      <a:r>
+                        <a:rPr/>
+                        <a:t> </a:t>
+                      </a:r>
+                      <a:r>
+                        <a:rPr/>
+                        <a:t>of</a:t>
+                      </a:r>
+                      <a:r>
+                        <a:rPr/>
+                        <a:t> </a:t>
+                      </a:r>
+                      <a:r>
+                        <a:rPr/>
+                        <a:t>context</a:t>
+                      </a:r>
+                      <a:r>
+                        <a:rPr/>
+                        <a:t> </a:t>
+                      </a:r>
+                      <a:r>
+                        <a:rPr/>
+                        <a:t>sharing</a:t>
+                      </a:r>
+                      <a:r>
+                        <a:rPr/>
+                        <a:t> </a:t>
+                      </a:r>
+                      <a:r>
+                        <a:rPr/>
+                        <a:t>-</a:t>
+                      </a:r>
+                      <a:r>
+                        <a:rPr/>
+                        <a:t> </a:t>
+                      </a:r>
+                      <a:r>
+                        <a:rPr/>
+                        <a:t>Available</a:t>
                       </a:r>
                       <a:r>
                         <a:rPr/>
@@ -4360,47 +4446,95 @@
                       </a:r>
                       <a:r>
                         <a:rPr/>
-                        <a:t>person</a:t>
-                      </a:r>
-                      <a:r>
-                        <a:rPr/>
-                        <a:t> </a:t>
-                      </a:r>
-                      <a:r>
-                        <a:rPr/>
-                        <a:t>conversation</a:t>
-                      </a:r>
-                      <a:r>
-                        <a:rPr/>
-                        <a:t> </a:t>
-                      </a:r>
-                      <a:r>
-                        <a:rPr/>
-                        <a:t>*</a:t>
-                      </a:r>
-                      <a:r>
-                        <a:rPr/>
-                        <a:t> </a:t>
-                      </a:r>
-                      <a:r>
-                        <a:rPr/>
-                        <a:t>Single</a:t>
-                      </a:r>
-                      <a:r>
-                        <a:rPr/>
-                        <a:t> </a:t>
-                      </a:r>
-                      <a:r>
-                        <a:rPr/>
-                        <a:t>use.</a:t>
-                      </a:r>
-                      <a:r>
-                        <a:rPr/>
-                        <a:t> </a:t>
-                      </a:r>
-                      <a:r>
-                        <a:rPr/>
-                        <a:t>Need</a:t>
+                        <a:t>asynchronous</a:t>
+                      </a:r>
+                      <a:r>
+                        <a:rPr/>
+                        <a:t> </a:t>
+                      </a:r>
+                      <a:r>
+                        <a:rPr/>
+                        <a:t>medium</a:t>
+                      </a:r>
+                      <a:r>
+                        <a:rPr/>
+                        <a:t> </a:t>
+                      </a:r>
+                      <a:r>
+                        <a:rPr/>
+                        <a:t>in</a:t>
+                      </a:r>
+                      <a:r>
+                        <a:rPr/>
+                        <a:t> </a:t>
+                      </a:r>
+                      <a:r>
+                        <a:rPr/>
+                        <a:t>a</a:t>
+                      </a:r>
+                      <a:r>
+                        <a:rPr/>
+                        <a:t> </a:t>
+                      </a:r>
+                      <a:r>
+                        <a:rPr/>
+                        <a:t>way</a:t>
+                      </a:r>
+                      <a:r>
+                        <a:rPr/>
+                        <a:t> </a:t>
+                      </a:r>
+                      <a:r>
+                        <a:rPr/>
+                        <a:t>that</a:t>
+                      </a:r>
+                      <a:r>
+                        <a:rPr/>
+                        <a:t> </a:t>
+                      </a:r>
+                      <a:r>
+                        <a:rPr/>
+                        <a:t>is</a:t>
+                      </a:r>
+                      <a:r>
+                        <a:rPr/>
+                        <a:t> </a:t>
+                      </a:r>
+                      <a:r>
+                        <a:rPr/>
+                        <a:t>easy</a:t>
+                      </a:r>
+                      <a:r>
+                        <a:rPr/>
+                        <a:t> </a:t>
+                      </a:r>
+                      <a:r>
+                        <a:rPr/>
+                        <a:t>for</a:t>
+                      </a:r>
+                      <a:r>
+                        <a:rPr/>
+                        <a:t> </a:t>
+                      </a:r>
+                      <a:r>
+                        <a:rPr/>
+                        <a:t>the</a:t>
+                      </a:r>
+                      <a:r>
+                        <a:rPr/>
+                        <a:t> </a:t>
+                      </a:r>
+                      <a:r>
+                        <a:rPr/>
+                        <a:t>consumer</a:t>
+                      </a:r>
+                      <a:r>
+                        <a:rPr/>
+                        <a:t> </a:t>
+                      </a:r>
+                      <a:r>
+                        <a:rPr/>
+                        <a:t>and</a:t>
                       </a:r>
                       <a:r>
                         <a:rPr/>
@@ -4416,111 +4550,47 @@
                       </a:r>
                       <a:r>
                         <a:rPr/>
-                        <a:t>repeat</a:t>
-                      </a:r>
-                      <a:r>
-                        <a:rPr/>
-                        <a:t> </a:t>
-                      </a:r>
-                      <a:r>
-                        <a:rPr/>
-                        <a:t>for</a:t>
-                      </a:r>
-                      <a:r>
-                        <a:rPr/>
-                        <a:t> </a:t>
-                      </a:r>
-                      <a:r>
-                        <a:rPr/>
-                        <a:t>every</a:t>
-                      </a:r>
-                      <a:r>
-                        <a:rPr/>
-                        <a:t> </a:t>
-                      </a:r>
-                      <a:r>
-                        <a:rPr/>
-                        <a:t>new</a:t>
-                      </a:r>
-                      <a:r>
-                        <a:rPr/>
-                        <a:t> </a:t>
-                      </a:r>
-                      <a:r>
-                        <a:rPr/>
-                        <a:t>person</a:t>
-                      </a:r>
-                      <a:r>
-                        <a:rPr/>
-                        <a:t> </a:t>
-                      </a:r>
-                      <a:r>
-                        <a:rPr/>
-                        <a:t>or</a:t>
-                      </a:r>
-                      <a:r>
-                        <a:rPr/>
-                        <a:t> </a:t>
-                      </a:r>
-                      <a:r>
-                        <a:rPr/>
-                        <a:t>group</a:t>
-                      </a:r>
-                      <a:r>
-                        <a:rPr/>
-                        <a:t> </a:t>
-                      </a:r>
-                      <a:r>
-                        <a:rPr/>
-                        <a:t>of</a:t>
-                      </a:r>
-                      <a:r>
-                        <a:rPr/>
-                        <a:t> </a:t>
-                      </a:r>
-                      <a:r>
-                        <a:rPr/>
-                        <a:t>folks.</a:t>
-                      </a:r>
-                      <a:r>
-                        <a:rPr/>
-                        <a:t> </a:t>
-                      </a:r>
-                      <a:r>
-                        <a:rPr/>
-                        <a:t>*</a:t>
-                      </a:r>
-                      <a:r>
-                        <a:rPr/>
-                        <a:t> </a:t>
-                      </a:r>
-                      <a:r>
-                        <a:rPr/>
-                        <a:t>Doesn’t</a:t>
-                      </a:r>
-                      <a:r>
-                        <a:rPr/>
-                        <a:t> </a:t>
-                      </a:r>
-                      <a:r>
-                        <a:rPr/>
-                        <a:t>scale</a:t>
-                      </a:r>
-                      <a:r>
-                        <a:rPr/>
-                        <a:t> </a:t>
-                      </a:r>
-                      <a:r>
-                        <a:rPr/>
-                        <a:t>but</a:t>
-                      </a:r>
-                      <a:r>
-                        <a:rPr/>
-                        <a:t> </a:t>
-                      </a:r>
-                      <a:r>
-                        <a:rPr/>
-                        <a:t>they</a:t>
+                        <a:t>contribute</a:t>
+                      </a:r>
+                      <a:r>
+                        <a:rPr/>
+                        <a:t> </a:t>
+                      </a:r>
+                      <a:r>
+                        <a:rPr/>
+                        <a:t>updates.</a:t>
+                      </a:r>
+                      <a:r>
+                        <a:rPr/>
+                        <a:t> </a:t>
+                      </a:r>
+                      <a:r>
+                        <a:rPr/>
+                        <a:t>-</a:t>
+                      </a:r>
+                      <a:r>
+                        <a:rPr/>
+                        <a:t> </a:t>
+                      </a:r>
+                      <a:r>
+                        <a:rPr/>
+                        <a:t>Subject</a:t>
+                      </a:r>
+                      <a:r>
+                        <a:rPr/>
+                        <a:t> </a:t>
+                      </a:r>
+                      <a:r>
+                        <a:rPr/>
+                        <a:t>matter</a:t>
+                      </a:r>
+                      <a:r>
+                        <a:rPr/>
+                        <a:t> </a:t>
+                      </a:r>
+                      <a:r>
+                        <a:rPr/>
+                        <a:t>experts</a:t>
                       </a:r>
                       <a:r>
                         <a:rPr/>
@@ -4536,7 +4606,207 @@
                       </a:r>
                       <a:r>
                         <a:rPr/>
-                        <a:t>useful.</a:t>
+                        <a:t>available</a:t>
+                      </a:r>
+                      <a:r>
+                        <a:rPr/>
+                        <a:t> </a:t>
+                      </a:r>
+                      <a:r>
+                        <a:rPr/>
+                        <a:t>over</a:t>
+                      </a:r>
+                      <a:r>
+                        <a:rPr/>
+                        <a:t> </a:t>
+                      </a:r>
+                      <a:r>
+                        <a:rPr/>
+                        <a:t>asynchronous</a:t>
+                      </a:r>
+                      <a:r>
+                        <a:rPr/>
+                        <a:t> </a:t>
+                      </a:r>
+                      <a:r>
+                        <a:rPr/>
+                        <a:t>communication</a:t>
+                      </a:r>
+                      <a:r>
+                        <a:rPr/>
+                        <a:t> </a:t>
+                      </a:r>
+                      <a:r>
+                        <a:rPr/>
+                        <a:t>to</a:t>
+                      </a:r>
+                      <a:r>
+                        <a:rPr/>
+                        <a:t> </a:t>
+                      </a:r>
+                      <a:r>
+                        <a:rPr/>
+                        <a:t>help</a:t>
+                      </a:r>
+                      <a:r>
+                        <a:rPr/>
+                        <a:t> </a:t>
+                      </a:r>
+                      <a:r>
+                        <a:rPr/>
+                        <a:t>clarify</a:t>
+                      </a:r>
+                      <a:r>
+                        <a:rPr/>
+                        <a:t> </a:t>
+                      </a:r>
+                      <a:r>
+                        <a:rPr/>
+                        <a:t>questions.</a:t>
+                      </a:r>
+                      <a:r>
+                        <a:rPr/>
+                        <a:t> </a:t>
+                      </a:r>
+                      <a:r>
+                        <a:rPr/>
+                        <a:t>Sync</a:t>
+                      </a:r>
+                      <a:r>
+                        <a:rPr/>
+                        <a:t> </a:t>
+                      </a:r>
+                      <a:r>
+                        <a:rPr/>
+                        <a:t>meetings</a:t>
+                      </a:r>
+                      <a:r>
+                        <a:rPr/>
+                        <a:t> </a:t>
+                      </a:r>
+                      <a:r>
+                        <a:rPr/>
+                        <a:t>can</a:t>
+                      </a:r>
+                      <a:r>
+                        <a:rPr/>
+                        <a:t> </a:t>
+                      </a:r>
+                      <a:r>
+                        <a:rPr/>
+                        <a:t>be</a:t>
+                      </a:r>
+                      <a:r>
+                        <a:rPr/>
+                        <a:t> </a:t>
+                      </a:r>
+                      <a:r>
+                        <a:rPr/>
+                        <a:t>arranged</a:t>
+                      </a:r>
+                      <a:r>
+                        <a:rPr/>
+                        <a:t> </a:t>
+                      </a:r>
+                      <a:r>
+                        <a:rPr/>
+                        <a:t>on</a:t>
+                      </a:r>
+                      <a:r>
+                        <a:rPr/>
+                        <a:t> </a:t>
+                      </a:r>
+                      <a:r>
+                        <a:rPr/>
+                        <a:t>case</a:t>
+                      </a:r>
+                      <a:r>
+                        <a:rPr/>
+                        <a:t> </a:t>
+                      </a:r>
+                      <a:r>
+                        <a:rPr/>
+                        <a:t>by</a:t>
+                      </a:r>
+                      <a:r>
+                        <a:rPr/>
+                        <a:t> </a:t>
+                      </a:r>
+                      <a:r>
+                        <a:rPr/>
+                        <a:t>case</a:t>
+                      </a:r>
+                      <a:r>
+                        <a:rPr/>
+                        <a:t> </a:t>
+                      </a:r>
+                      <a:r>
+                        <a:rPr/>
+                        <a:t>basis</a:t>
+                      </a:r>
+                      <a:r>
+                        <a:rPr/>
+                        <a:t> </a:t>
+                      </a:r>
+                      <a:r>
+                        <a:rPr/>
+                        <a:t>as</a:t>
+                      </a:r>
+                      <a:r>
+                        <a:rPr/>
+                        <a:t> </a:t>
+                      </a:r>
+                      <a:r>
+                        <a:rPr/>
+                        <a:t>need</a:t>
+                      </a:r>
+                      <a:r>
+                        <a:rPr/>
+                        <a:t> </a:t>
+                      </a:r>
+                      <a:r>
+                        <a:rPr/>
+                        <a:t>arises</a:t>
+                      </a:r>
+                      <a:r>
+                        <a:rPr/>
+                        <a:t> </a:t>
+                      </a:r>
+                      <a:r>
+                        <a:rPr/>
+                        <a:t>(this</a:t>
+                      </a:r>
+                      <a:r>
+                        <a:rPr/>
+                        <a:t> </a:t>
+                      </a:r>
+                      <a:r>
+                        <a:rPr/>
+                        <a:t>should</a:t>
+                      </a:r>
+                      <a:r>
+                        <a:rPr/>
+                        <a:t> </a:t>
+                      </a:r>
+                      <a:r>
+                        <a:rPr/>
+                        <a:t>enhance</a:t>
+                      </a:r>
+                      <a:r>
+                        <a:rPr/>
+                        <a:t> </a:t>
+                      </a:r>
+                      <a:r>
+                        <a:rPr/>
+                        <a:t>asynchronous</a:t>
+                      </a:r>
+                      <a:r>
+                        <a:rPr/>
+                        <a:t> </a:t>
+                      </a:r>
+                      <a:r>
+                        <a:rPr/>
+                        <a:t>communication)</a:t>
                       </a:r>
                     </a:p>
                   </a:txBody>
@@ -4546,115 +4816,6 @@
           </a:graphicData>
         </a:graphic>
       </p:graphicFrame>
-    </p:spTree>
-  </p:cSld>
-</p:sld>
-</file>
-
-<file path=ppt/slides/slide8.xml><?xml version="1.0" encoding="utf-8"?>
-<p:sld xmlns:a="http://schemas.openxmlformats.org/drawingml/2006/main" xmlns:r="http://schemas.openxmlformats.org/officeDocument/2006/relationships" xmlns:p="http://schemas.openxmlformats.org/presentationml/2006/main">
-  <p:cSld>
-    <p:spTree>
-      <p:nvGrpSpPr>
-        <p:cNvPr id="1" name=""/>
-        <p:cNvGrpSpPr/>
-        <p:nvPr/>
-      </p:nvGrpSpPr>
-      <p:grpSpPr>
-        <a:xfrm>
-          <a:off x="0" y="0"/>
-          <a:ext cx="0" cy="0"/>
-          <a:chOff x="0" y="0"/>
-          <a:chExt cx="0" cy="0"/>
-        </a:xfrm>
-      </p:grpSpPr>
-      <p:sp>
-        <p:nvSpPr>
-          <p:cNvPr id="2" name="Title 1"/>
-          <p:cNvSpPr>
-            <a:spLocks noGrp="1"/>
-          </p:cNvSpPr>
-          <p:nvPr>
-            <p:ph type="title"/>
-          </p:nvPr>
-        </p:nvSpPr>
-        <p:spPr/>
-        <p:txBody>
-          <a:bodyPr/>
-          <a:lstStyle/>
-          <a:p>
-            <a:pPr lvl="0" marL="0" indent="0">
-              <a:buNone/>
-            </a:pPr>
-            <a:r>
-              <a:rPr/>
-              <a:t>Desired</a:t>
-            </a:r>
-            <a:r>
-              <a:rPr/>
-              <a:t> </a:t>
-            </a:r>
-            <a:r>
-              <a:rPr/>
-              <a:t>qualities</a:t>
-            </a:r>
-            <a:r>
-              <a:rPr/>
-              <a:t> </a:t>
-            </a:r>
-            <a:r>
-              <a:rPr/>
-              <a:t>of</a:t>
-            </a:r>
-            <a:r>
-              <a:rPr/>
-              <a:t> </a:t>
-            </a:r>
-            <a:r>
-              <a:rPr/>
-              <a:t>context</a:t>
-            </a:r>
-            <a:r>
-              <a:rPr/>
-              <a:t> </a:t>
-            </a:r>
-            <a:r>
-              <a:rPr/>
-              <a:t>sharing</a:t>
-            </a:r>
-          </a:p>
-        </p:txBody>
-      </p:sp>
-      <p:sp>
-        <p:nvSpPr>
-          <p:cNvPr id="3" name="Content Placeholder 2"/>
-          <p:cNvSpPr>
-            <a:spLocks noGrp="1"/>
-          </p:cNvSpPr>
-          <p:nvPr>
-            <p:ph idx="1"/>
-          </p:nvPr>
-        </p:nvSpPr>
-        <p:spPr/>
-        <p:txBody>
-          <a:bodyPr/>
-          <a:lstStyle/>
-          <a:p>
-            <a:pPr lvl="1"/>
-            <a:r>
-              <a:rPr/>
-              <a:t>Available in asynchronous medium in a way that is easy for the consumer and to contribute updates.</a:t>
-            </a:r>
-          </a:p>
-          <a:p>
-            <a:pPr lvl="1"/>
-            <a:r>
-              <a:rPr/>
-              <a:t>Subject matter experts are available over asynchronous communication to help clarify questions. Sync meetings can be arranged on case by case basis as need arises (this should enhance asynchronous communication)</a:t>
-            </a:r>
-          </a:p>
-        </p:txBody>
-      </p:sp>
     </p:spTree>
   </p:cSld>
 </p:sld>

--- a/presentation/render/eng_contextual_awareness.pptx
+++ b/presentation/render/eng_contextual_awareness.pptx
@@ -13,6 +13,9 @@
     <p:sldId id="261" r:id="rId7"/>
     <p:sldId id="262" r:id="rId8"/>
     <p:sldId id="263" r:id="rId9"/>
+    <p:sldId id="264" r:id="rId10"/>
+    <p:sldId id="265" r:id="rId11"/>
+    <p:sldId id="266" r:id="rId12"/>
   </p:sldIdLst>
   <p:sldSz cx="9144000" cy="6858000" type="screen4x3"/>
   <p:notesSz cx="6858000" cy="9144000"/>
@@ -3185,6 +3188,222 @@
 </p:sld>
 </file>
 
+<file path=ppt/slides/slide10.xml><?xml version="1.0" encoding="utf-8"?>
+<p:sld xmlns:a="http://schemas.openxmlformats.org/drawingml/2006/main" xmlns:r="http://schemas.openxmlformats.org/officeDocument/2006/relationships" xmlns:p="http://schemas.openxmlformats.org/presentationml/2006/main">
+  <p:cSld>
+    <p:spTree>
+      <p:nvGrpSpPr>
+        <p:cNvPr id="1" name=""/>
+        <p:cNvGrpSpPr/>
+        <p:nvPr/>
+      </p:nvGrpSpPr>
+      <p:grpSpPr>
+        <a:xfrm>
+          <a:off x="0" y="0"/>
+          <a:ext cx="0" cy="0"/>
+          <a:chOff x="0" y="0"/>
+          <a:chExt cx="0" cy="0"/>
+        </a:xfrm>
+      </p:grpSpPr>
+      <p:sp>
+        <p:nvSpPr>
+          <p:cNvPr id="2" name="Title 1"/>
+          <p:cNvSpPr>
+            <a:spLocks noGrp="1"/>
+          </p:cNvSpPr>
+          <p:nvPr>
+            <p:ph type="title"/>
+          </p:nvPr>
+        </p:nvSpPr>
+        <p:spPr/>
+        <p:txBody>
+          <a:bodyPr/>
+          <a:lstStyle/>
+          <a:p>
+            <a:pPr lvl="0" marL="0" indent="0">
+              <a:buNone/>
+            </a:pPr>
+            <a:r>
+              <a:rPr/>
+              <a:t>Synchronous</a:t>
+            </a:r>
+            <a:r>
+              <a:rPr/>
+              <a:t> </a:t>
+            </a:r>
+            <a:r>
+              <a:rPr/>
+              <a:t>Context</a:t>
+            </a:r>
+            <a:r>
+              <a:rPr/>
+              <a:t> </a:t>
+            </a:r>
+            <a:r>
+              <a:rPr/>
+              <a:t>Medium</a:t>
+            </a:r>
+          </a:p>
+        </p:txBody>
+      </p:sp>
+      <p:sp>
+        <p:nvSpPr>
+          <p:cNvPr id="3" name="Content Placeholder 2"/>
+          <p:cNvSpPr>
+            <a:spLocks noGrp="1"/>
+          </p:cNvSpPr>
+          <p:nvPr>
+            <p:ph idx="1"/>
+          </p:nvPr>
+        </p:nvSpPr>
+        <p:spPr/>
+        <p:txBody>
+          <a:bodyPr/>
+          <a:lstStyle/>
+          <a:p>
+            <a:pPr lvl="1"/>
+            <a:r>
+              <a:rPr/>
+              <a:t>Realtime Collaboration.</a:t>
+            </a:r>
+          </a:p>
+          <a:p>
+            <a:pPr lvl="2"/>
+            <a:r>
+              <a:rPr/>
+              <a:t>Meeting, live chat, in person conversation</a:t>
+            </a:r>
+          </a:p>
+          <a:p>
+            <a:pPr lvl="1"/>
+            <a:r>
+              <a:rPr/>
+              <a:t>Single use. Need to repeat for every new person or group of folks.</a:t>
+            </a:r>
+          </a:p>
+          <a:p>
+            <a:pPr lvl="1"/>
+            <a:r>
+              <a:rPr/>
+              <a:t>Doesn’t scale but they are useful.</a:t>
+            </a:r>
+          </a:p>
+        </p:txBody>
+      </p:sp>
+    </p:spTree>
+  </p:cSld>
+</p:sld>
+</file>
+
+<file path=ppt/slides/slide11.xml><?xml version="1.0" encoding="utf-8"?>
+<p:sld xmlns:a="http://schemas.openxmlformats.org/drawingml/2006/main" xmlns:r="http://schemas.openxmlformats.org/officeDocument/2006/relationships" xmlns:p="http://schemas.openxmlformats.org/presentationml/2006/main">
+  <p:cSld>
+    <p:spTree>
+      <p:nvGrpSpPr>
+        <p:cNvPr id="1" name=""/>
+        <p:cNvGrpSpPr/>
+        <p:nvPr/>
+      </p:nvGrpSpPr>
+      <p:grpSpPr>
+        <a:xfrm>
+          <a:off x="0" y="0"/>
+          <a:ext cx="0" cy="0"/>
+          <a:chOff x="0" y="0"/>
+          <a:chExt cx="0" cy="0"/>
+        </a:xfrm>
+      </p:grpSpPr>
+      <p:sp>
+        <p:nvSpPr>
+          <p:cNvPr id="2" name="Title 1"/>
+          <p:cNvSpPr>
+            <a:spLocks noGrp="1"/>
+          </p:cNvSpPr>
+          <p:nvPr>
+            <p:ph type="title"/>
+          </p:nvPr>
+        </p:nvSpPr>
+        <p:spPr/>
+        <p:txBody>
+          <a:bodyPr/>
+          <a:lstStyle/>
+          <a:p>
+            <a:pPr lvl="0" marL="0" indent="0">
+              <a:buNone/>
+            </a:pPr>
+            <a:r>
+              <a:rPr/>
+              <a:t>Desired</a:t>
+            </a:r>
+            <a:r>
+              <a:rPr/>
+              <a:t> </a:t>
+            </a:r>
+            <a:r>
+              <a:rPr/>
+              <a:t>qualities</a:t>
+            </a:r>
+            <a:r>
+              <a:rPr/>
+              <a:t> </a:t>
+            </a:r>
+            <a:r>
+              <a:rPr/>
+              <a:t>of</a:t>
+            </a:r>
+            <a:r>
+              <a:rPr/>
+              <a:t> </a:t>
+            </a:r>
+            <a:r>
+              <a:rPr/>
+              <a:t>context</a:t>
+            </a:r>
+            <a:r>
+              <a:rPr/>
+              <a:t> </a:t>
+            </a:r>
+            <a:r>
+              <a:rPr/>
+              <a:t>sharing</a:t>
+            </a:r>
+          </a:p>
+        </p:txBody>
+      </p:sp>
+      <p:sp>
+        <p:nvSpPr>
+          <p:cNvPr id="3" name="Content Placeholder 2"/>
+          <p:cNvSpPr>
+            <a:spLocks noGrp="1"/>
+          </p:cNvSpPr>
+          <p:nvPr>
+            <p:ph idx="1"/>
+          </p:nvPr>
+        </p:nvSpPr>
+        <p:spPr/>
+        <p:txBody>
+          <a:bodyPr/>
+          <a:lstStyle/>
+          <a:p>
+            <a:pPr lvl="1"/>
+            <a:r>
+              <a:rPr/>
+              <a:t>Available in asynchronous medium in a way that is easy for the consumer and to contribute updates.</a:t>
+            </a:r>
+          </a:p>
+          <a:p>
+            <a:pPr lvl="1"/>
+            <a:r>
+              <a:rPr/>
+              <a:t>Subject matter experts are available over asynchronous communication to help clarify questions. Sync meetings can be arranged on case by case basis as need arises (this should enhance asynchronous communication)</a:t>
+            </a:r>
+          </a:p>
+        </p:txBody>
+      </p:sp>
+    </p:spTree>
+  </p:cSld>
+</p:sld>
+</file>
+
 <file path=ppt/slides/slide2.xml><?xml version="1.0" encoding="utf-8"?>
 <p:sld xmlns:a="http://schemas.openxmlformats.org/drawingml/2006/main" xmlns:r="http://schemas.openxmlformats.org/officeDocument/2006/relationships" xmlns:p="http://schemas.openxmlformats.org/presentationml/2006/main">
   <p:cSld>
@@ -3202,276 +3421,98 @@
           <a:chExt cx="0" cy="0"/>
         </a:xfrm>
       </p:grpSpPr>
-      <p:graphicFrame>
-        <p:nvGraphicFramePr>
-          <p:cNvPr id="6" name="Content Placeholder 5"/>
-          <p:cNvGraphicFramePr>
-            <a:graphicFrameLocks noGrp="1"/>
-          </p:cNvGraphicFramePr>
+      <p:sp>
+        <p:nvSpPr>
+          <p:cNvPr id="2" name="Title 1"/>
+          <p:cNvSpPr>
+            <a:spLocks noGrp="1"/>
+          </p:cNvSpPr>
+          <p:nvPr>
+            <p:ph type="title"/>
+          </p:nvPr>
+        </p:nvSpPr>
+        <p:spPr/>
+        <p:txBody>
+          <a:bodyPr/>
+          <a:lstStyle/>
+          <a:p>
+            <a:pPr lvl="0" marL="0" indent="0">
+              <a:buNone/>
+            </a:pPr>
+            <a:r>
+              <a:rPr/>
+              <a:t>What</a:t>
+            </a:r>
+            <a:r>
+              <a:rPr/>
+              <a:t> </a:t>
+            </a:r>
+            <a:r>
+              <a:rPr/>
+              <a:t>is</a:t>
+            </a:r>
+            <a:r>
+              <a:rPr/>
+              <a:t> </a:t>
+            </a:r>
+            <a:r>
+              <a:rPr/>
+              <a:t>context?</a:t>
+            </a:r>
+          </a:p>
+        </p:txBody>
+      </p:sp>
+      <p:sp>
+        <p:nvSpPr>
+          <p:cNvPr id="3" name="Content Placeholder 2"/>
+          <p:cNvSpPr>
+            <a:spLocks noGrp="1"/>
+          </p:cNvSpPr>
           <p:nvPr>
             <p:ph idx="1"/>
           </p:nvPr>
-        </p:nvGraphicFramePr>
-        <p:xfrm>
-          <a:off x="457200" y="1600200"/>
-          <a:ext cx="8229600" cy="4521200"/>
-        </p:xfrm>
-        <a:graphic>
-          <a:graphicData uri="http://schemas.openxmlformats.org/drawingml/2006/table">
-            <a:tbl>
-              <a:tblPr firstRow="1" bandRow="1">
-                <a:tableStyleId>{5C22544A-7EE6-4342-B048-85BDC9FD1C3A}</a:tableStyleId>
-              </a:tblPr>
-              <a:tblGrid>
-                <a:gridCol w="8229600"/>
-              </a:tblGrid>
-              <a:tr h="0">
-                <a:tc>
-                  <a:txBody>
-                    <a:bodyPr/>
-                    <a:lstStyle/>
-                    <a:p>
-                      <a:pPr lvl="0" marL="0" indent="0">
-                        <a:buNone/>
-                      </a:pPr>
-                      <a:r>
-                        <a:rPr/>
-                        <a:t>#</a:t>
-                      </a:r>
-                      <a:r>
-                        <a:rPr/>
-                        <a:t> </a:t>
-                      </a:r>
-                      <a:r>
-                        <a:rPr/>
-                        <a:t>What</a:t>
-                      </a:r>
-                      <a:r>
-                        <a:rPr/>
-                        <a:t> </a:t>
-                      </a:r>
-                      <a:r>
-                        <a:rPr/>
-                        <a:t>is</a:t>
-                      </a:r>
-                      <a:r>
-                        <a:rPr/>
-                        <a:t> </a:t>
-                      </a:r>
-                      <a:r>
-                        <a:rPr/>
-                        <a:t>context?</a:t>
-                      </a:r>
-                    </a:p>
-                  </a:txBody>
-                  <a:tcPr/>
-                </a:tc>
-              </a:tr>
-              <a:tr h="0">
-                <a:tc>
-                  <a:txBody>
-                    <a:bodyPr/>
-                    <a:lstStyle/>
-                    <a:p>
-                      <a:pPr lvl="0" marL="0" indent="0">
-                        <a:buNone/>
-                      </a:pPr>
-                      <a:r>
-                        <a:rPr/>
-                        <a:t>#</a:t>
-                      </a:r>
-                      <a:r>
-                        <a:rPr/>
-                        <a:t> </a:t>
-                      </a:r>
-                      <a:r>
-                        <a:rPr/>
-                        <a:t>End</a:t>
-                      </a:r>
-                      <a:r>
-                        <a:rPr/>
-                        <a:t> </a:t>
-                      </a:r>
-                      <a:r>
-                        <a:rPr/>
-                        <a:t>goals</a:t>
-                      </a:r>
-                      <a:r>
-                        <a:rPr/>
-                        <a:t> </a:t>
-                      </a:r>
-                      <a:r>
-                        <a:rPr/>
-                        <a:t>-</a:t>
-                      </a:r>
-                      <a:r>
-                        <a:rPr/>
-                        <a:t> </a:t>
-                      </a:r>
-                      <a:r>
-                        <a:rPr/>
-                        <a:t>Highlight</a:t>
-                      </a:r>
-                      <a:r>
-                        <a:rPr/>
-                        <a:t> </a:t>
-                      </a:r>
-                      <a:r>
-                        <a:rPr/>
-                        <a:t>behaviors</a:t>
-                      </a:r>
-                      <a:r>
-                        <a:rPr/>
-                        <a:t> </a:t>
-                      </a:r>
-                      <a:r>
-                        <a:rPr/>
-                        <a:t>that</a:t>
-                      </a:r>
-                      <a:r>
-                        <a:rPr/>
-                        <a:t> </a:t>
-                      </a:r>
-                      <a:r>
-                        <a:rPr/>
-                        <a:t>maximize</a:t>
-                      </a:r>
-                      <a:r>
-                        <a:rPr/>
-                        <a:t> </a:t>
-                      </a:r>
-                      <a:r>
-                        <a:rPr/>
-                        <a:t>context</a:t>
-                      </a:r>
-                      <a:r>
-                        <a:rPr/>
-                        <a:t> </a:t>
-                      </a:r>
-                      <a:r>
-                        <a:rPr/>
-                        <a:t>sharing</a:t>
-                      </a:r>
-                      <a:r>
-                        <a:rPr/>
-                        <a:t> </a:t>
-                      </a:r>
-                      <a:r>
-                        <a:rPr/>
-                        <a:t>-</a:t>
-                      </a:r>
-                      <a:r>
-                        <a:rPr/>
-                        <a:t> </a:t>
-                      </a:r>
-                      <a:r>
-                        <a:rPr/>
-                        <a:t>Stablish</a:t>
-                      </a:r>
-                      <a:r>
-                        <a:rPr/>
-                        <a:t> </a:t>
-                      </a:r>
-                      <a:r>
-                        <a:rPr/>
-                        <a:t>patterns</a:t>
-                      </a:r>
-                      <a:r>
-                        <a:rPr/>
-                        <a:t> </a:t>
-                      </a:r>
-                      <a:r>
-                        <a:rPr/>
-                        <a:t>to</a:t>
-                      </a:r>
-                      <a:r>
-                        <a:rPr/>
-                        <a:t> </a:t>
-                      </a:r>
-                      <a:r>
-                        <a:rPr/>
-                        <a:t>detect</a:t>
-                      </a:r>
-                      <a:r>
-                        <a:rPr/>
-                        <a:t> </a:t>
-                      </a:r>
-                      <a:r>
-                        <a:rPr/>
-                        <a:t>gaps</a:t>
-                      </a:r>
-                      <a:r>
-                        <a:rPr/>
-                        <a:t> </a:t>
-                      </a:r>
-                      <a:r>
-                        <a:rPr/>
-                        <a:t>in</a:t>
-                      </a:r>
-                      <a:r>
-                        <a:rPr/>
-                        <a:t> </a:t>
-                      </a:r>
-                      <a:r>
-                        <a:rPr/>
-                        <a:t>context</a:t>
-                      </a:r>
-                      <a:r>
-                        <a:rPr/>
-                        <a:t> </a:t>
-                      </a:r>
-                      <a:r>
-                        <a:rPr/>
-                        <a:t>and</a:t>
-                      </a:r>
-                      <a:r>
-                        <a:rPr/>
-                        <a:t> </a:t>
-                      </a:r>
-                      <a:r>
-                        <a:rPr/>
-                        <a:t>how</a:t>
-                      </a:r>
-                      <a:r>
-                        <a:rPr/>
-                        <a:t> </a:t>
-                      </a:r>
-                      <a:r>
-                        <a:rPr/>
-                        <a:t>to</a:t>
-                      </a:r>
-                      <a:r>
-                        <a:rPr/>
-                        <a:t> </a:t>
-                      </a:r>
-                      <a:r>
-                        <a:rPr/>
-                        <a:t>keep</a:t>
-                      </a:r>
-                      <a:r>
-                        <a:rPr/>
-                        <a:t> </a:t>
-                      </a:r>
-                      <a:r>
-                        <a:rPr/>
-                        <a:t>context</a:t>
-                      </a:r>
-                      <a:r>
-                        <a:rPr/>
-                        <a:t> </a:t>
-                      </a:r>
-                      <a:r>
-                        <a:rPr/>
-                        <a:t>alive</a:t>
-                      </a:r>
-                    </a:p>
-                  </a:txBody>
-                </a:tc>
-              </a:tr>
-            </a:tbl>
-          </a:graphicData>
-        </a:graphic>
-      </p:graphicFrame>
+        </p:nvSpPr>
+        <p:spPr/>
+        <p:txBody>
+          <a:bodyPr/>
+          <a:lstStyle/>
+          <a:p>
+            <a:pPr lvl="1"/>
+            <a:r>
+              <a:rPr/>
+              <a:t>Past events recorded to be passed down to the future.</a:t>
+            </a:r>
+          </a:p>
+          <a:p>
+            <a:pPr lvl="1"/>
+            <a:r>
+              <a:rPr/>
+              <a:t>Contextual</a:t>
+            </a:r>
+          </a:p>
+          <a:p>
+            <a:pPr lvl="2"/>
+            <a:r>
+              <a:rPr/>
+              <a:t>It depends on when, where.</a:t>
+            </a:r>
+          </a:p>
+          <a:p>
+            <a:pPr lvl="1"/>
+            <a:r>
+              <a:rPr/>
+              <a:t>Static and Dynamic</a:t>
+            </a:r>
+          </a:p>
+          <a:p>
+            <a:pPr lvl="2"/>
+            <a:r>
+              <a:rPr/>
+              <a:t>Static wrt past revisions. Dynamic wrt to now.</a:t>
+            </a:r>
+          </a:p>
+        </p:txBody>
+      </p:sp>
     </p:spTree>
   </p:cSld>
 </p:sld>
@@ -3514,7 +3555,7 @@
             </a:pPr>
             <a:r>
               <a:rPr/>
-              <a:t>Context</a:t>
+              <a:t>End</a:t>
             </a:r>
             <a:r>
               <a:rPr/>
@@ -3522,15 +3563,7 @@
             </a:r>
             <a:r>
               <a:rPr/>
-              <a:t>about</a:t>
-            </a:r>
-            <a:r>
-              <a:rPr/>
-              <a:t> </a:t>
-            </a:r>
-            <a:r>
-              <a:rPr/>
-              <a:t>context</a:t>
+              <a:t>goals</a:t>
             </a:r>
           </a:p>
         </p:txBody>
@@ -3553,7 +3586,14 @@
             <a:pPr lvl="1"/>
             <a:r>
               <a:rPr/>
-              <a:t>It’s contexts all the way down</a:t>
+              <a:t>Highlight behaviors that maximize context sharing</a:t>
+            </a:r>
+          </a:p>
+          <a:p>
+            <a:pPr lvl="1"/>
+            <a:r>
+              <a:rPr/>
+              <a:t>Stablish patterns to detect gaps in context and how to keep context alive</a:t>
             </a:r>
           </a:p>
         </p:txBody>
@@ -3580,229 +3620,70 @@
           <a:chExt cx="0" cy="0"/>
         </a:xfrm>
       </p:grpSpPr>
-      <p:graphicFrame>
-        <p:nvGraphicFramePr>
-          <p:cNvPr id="6" name="Content Placeholder 5"/>
-          <p:cNvGraphicFramePr>
-            <a:graphicFrameLocks noGrp="1"/>
-          </p:cNvGraphicFramePr>
+      <p:sp>
+        <p:nvSpPr>
+          <p:cNvPr id="2" name="Title 1"/>
+          <p:cNvSpPr>
+            <a:spLocks noGrp="1"/>
+          </p:cNvSpPr>
+          <p:nvPr>
+            <p:ph type="title"/>
+          </p:nvPr>
+        </p:nvSpPr>
+        <p:spPr/>
+        <p:txBody>
+          <a:bodyPr/>
+          <a:lstStyle/>
+          <a:p>
+            <a:pPr lvl="0" marL="0" indent="0">
+              <a:buNone/>
+            </a:pPr>
+            <a:r>
+              <a:rPr/>
+              <a:t>Context</a:t>
+            </a:r>
+            <a:r>
+              <a:rPr/>
+              <a:t> </a:t>
+            </a:r>
+            <a:r>
+              <a:rPr/>
+              <a:t>about</a:t>
+            </a:r>
+            <a:r>
+              <a:rPr/>
+              <a:t> </a:t>
+            </a:r>
+            <a:r>
+              <a:rPr/>
+              <a:t>context</a:t>
+            </a:r>
+          </a:p>
+        </p:txBody>
+      </p:sp>
+      <p:sp>
+        <p:nvSpPr>
+          <p:cNvPr id="3" name="Content Placeholder 2"/>
+          <p:cNvSpPr>
+            <a:spLocks noGrp="1"/>
+          </p:cNvSpPr>
           <p:nvPr>
             <p:ph idx="1"/>
           </p:nvPr>
-        </p:nvGraphicFramePr>
-        <p:xfrm>
-          <a:off x="457200" y="1600200"/>
-          <a:ext cx="8229600" cy="4521200"/>
-        </p:xfrm>
-        <a:graphic>
-          <a:graphicData uri="http://schemas.openxmlformats.org/drawingml/2006/table">
-            <a:tbl>
-              <a:tblPr firstRow="1" bandRow="1">
-                <a:tableStyleId>{5C22544A-7EE6-4342-B048-85BDC9FD1C3A}</a:tableStyleId>
-              </a:tblPr>
-              <a:tblGrid>
-                <a:gridCol w="8229600"/>
-              </a:tblGrid>
-              <a:tr h="0">
-                <a:tc>
-                  <a:txBody>
-                    <a:bodyPr/>
-                    <a:lstStyle/>
-                    <a:p>
-                      <a:pPr lvl="0" marL="0" indent="0">
-                        <a:buNone/>
-                      </a:pPr>
-                      <a:r>
-                        <a:rPr/>
-                        <a:t>#</a:t>
-                      </a:r>
-                      <a:r>
-                        <a:rPr/>
-                        <a:t> </a:t>
-                      </a:r>
-                      <a:r>
-                        <a:rPr/>
-                        <a:t>Etymology</a:t>
-                      </a:r>
-                      <a:r>
-                        <a:rPr/>
-                        <a:t> </a:t>
-                      </a:r>
-                      <a:r>
-                        <a:rPr/>
-                        <a:t>of</a:t>
-                      </a:r>
-                      <a:r>
-                        <a:rPr/>
-                        <a:t> </a:t>
-                      </a:r>
-                      <a:r>
-                        <a:rPr/>
-                        <a:t>context</a:t>
-                      </a:r>
-                    </a:p>
-                  </a:txBody>
-                  <a:tcPr/>
-                </a:tc>
-              </a:tr>
-              <a:tr h="0">
-                <a:tc>
-                  <a:txBody>
-                    <a:bodyPr/>
-                    <a:lstStyle/>
-                    <a:p>
-                      <a:pPr lvl="0" marL="0" indent="0">
-                        <a:buNone/>
-                      </a:pPr>
-                      <a:r>
-                        <a:rPr/>
-                        <a:t>#</a:t>
-                      </a:r>
-                      <a:r>
-                        <a:rPr/>
-                        <a:t> </a:t>
-                      </a:r>
-                      <a:r>
-                        <a:rPr/>
-                        <a:t>Human</a:t>
-                      </a:r>
-                      <a:r>
-                        <a:rPr/>
-                        <a:t> </a:t>
-                      </a:r>
-                      <a:r>
-                        <a:rPr/>
-                        <a:t>Context</a:t>
-                      </a:r>
-                      <a:r>
-                        <a:rPr/>
-                        <a:t> </a:t>
-                      </a:r>
-                      <a:r>
-                        <a:rPr/>
-                        <a:t>w.r.t</a:t>
-                      </a:r>
-                      <a:r>
-                        <a:rPr/>
-                        <a:t> </a:t>
-                      </a:r>
-                      <a:r>
-                        <a:rPr/>
-                        <a:t>Engineering</a:t>
-                      </a:r>
-                      <a:r>
-                        <a:rPr/>
-                        <a:t> </a:t>
-                      </a:r>
-                      <a:r>
-                        <a:rPr/>
-                        <a:t>product</a:t>
-                      </a:r>
-                    </a:p>
-                  </a:txBody>
-                </a:tc>
-              </a:tr>
-              <a:tr h="0">
-                <a:tc>
-                  <a:txBody>
-                    <a:bodyPr/>
-                    <a:lstStyle/>
-                    <a:p>
-                      <a:pPr lvl="0" marL="0" indent="0">
-                        <a:buNone/>
-                      </a:pPr>
-                      <a:r>
-                        <a:rPr/>
-                        <a:t>-</a:t>
-                      </a:r>
-                      <a:r>
-                        <a:rPr/>
-                        <a:t> </a:t>
-                      </a:r>
-                      <a:r>
-                        <a:rPr/>
-                        <a:t>Folks</a:t>
-                      </a:r>
-                      <a:r>
-                        <a:rPr/>
-                        <a:t> </a:t>
-                      </a:r>
-                      <a:r>
-                        <a:rPr/>
-                        <a:t>Contributing</a:t>
-                      </a:r>
-                      <a:r>
-                        <a:rPr/>
-                        <a:t> </a:t>
-                      </a:r>
-                      <a:r>
-                        <a:rPr/>
-                        <a:t>(We</a:t>
-                      </a:r>
-                      <a:r>
-                        <a:rPr/>
-                        <a:t> </a:t>
-                      </a:r>
-                      <a:r>
-                        <a:rPr/>
-                        <a:t>will</a:t>
-                      </a:r>
-                      <a:r>
-                        <a:rPr/>
-                        <a:t> </a:t>
-                      </a:r>
-                      <a:r>
-                        <a:rPr/>
-                        <a:t>focus</a:t>
-                      </a:r>
-                      <a:r>
-                        <a:rPr/>
-                        <a:t> </a:t>
-                      </a:r>
-                      <a:r>
-                        <a:rPr/>
-                        <a:t>here)</a:t>
-                      </a:r>
-                      <a:r>
-                        <a:rPr/>
-                        <a:t> </a:t>
-                      </a:r>
-                      <a:r>
-                        <a:rPr/>
-                        <a:t>-</a:t>
-                      </a:r>
-                      <a:r>
-                        <a:rPr/>
-                        <a:t> </a:t>
-                      </a:r>
-                      <a:r>
-                        <a:rPr/>
-                        <a:t>Folks</a:t>
-                      </a:r>
-                      <a:r>
-                        <a:rPr/>
-                        <a:t> </a:t>
-                      </a:r>
-                      <a:r>
-                        <a:rPr/>
-                        <a:t>using</a:t>
-                      </a:r>
-                      <a:r>
-                        <a:rPr/>
-                        <a:t> </a:t>
-                      </a:r>
-                      <a:r>
-                        <a:rPr/>
-                        <a:t>product</a:t>
-                      </a:r>
-                    </a:p>
-                  </a:txBody>
-                </a:tc>
-              </a:tr>
-            </a:tbl>
-          </a:graphicData>
-        </a:graphic>
-      </p:graphicFrame>
+        </p:nvSpPr>
+        <p:spPr/>
+        <p:txBody>
+          <a:bodyPr/>
+          <a:lstStyle/>
+          <a:p>
+            <a:pPr lvl="1"/>
+            <a:r>
+              <a:rPr/>
+              <a:t>It’s contexts all the way down</a:t>
+            </a:r>
+          </a:p>
+        </p:txBody>
+      </p:sp>
     </p:spTree>
   </p:cSld>
 </p:sld>
@@ -3845,7 +3726,7 @@
             </a:pPr>
             <a:r>
               <a:rPr/>
-              <a:t>Folks</a:t>
+              <a:t>Etymology</a:t>
             </a:r>
             <a:r>
               <a:rPr/>
@@ -3853,7 +3734,15 @@
             </a:r>
             <a:r>
               <a:rPr/>
-              <a:t>Contributing</a:t>
+              <a:t>of</a:t>
+            </a:r>
+            <a:r>
+              <a:rPr/>
+              <a:t> </a:t>
+            </a:r>
+            <a:r>
+              <a:rPr/>
+              <a:t>context</a:t>
             </a:r>
           </a:p>
         </p:txBody>
@@ -3876,28 +3765,44 @@
             <a:pPr lvl="1"/>
             <a:r>
               <a:rPr/>
-              <a:t>Async vs synchronous contribution</a:t>
+              <a:t>Root Latin </a:t>
+            </a:r>
+            <a:r>
+              <a:rPr>
+                <a:latin typeface="Courier"/>
+              </a:rPr>
+              <a:t>contextus</a:t>
+            </a:r>
+            <a:r>
+              <a:rPr/>
+              <a:t>, from </a:t>
+            </a:r>
+            <a:r>
+              <a:rPr>
+                <a:latin typeface="Courier"/>
+              </a:rPr>
+              <a:t>con</a:t>
+            </a:r>
+            <a:r>
+              <a:rPr/>
+              <a:t>- ‘together’ + </a:t>
+            </a:r>
+            <a:r>
+              <a:rPr>
+                <a:latin typeface="Courier"/>
+              </a:rPr>
+              <a:t>texere</a:t>
+            </a:r>
+            <a:r>
+              <a:rPr/>
+              <a:t> ‘to weave’.</a:t>
             </a:r>
           </a:p>
           <a:p>
             <a:pPr lvl="1"/>
             <a:r>
               <a:rPr/>
-              <a:t>ReadWrite vs ReadOnly</a:t>
-            </a:r>
-          </a:p>
-          <a:p>
-            <a:pPr lvl="1"/>
-            <a:r>
-              <a:rPr/>
-              <a:t>Short Term vs (Mid to Long term)</a:t>
-            </a:r>
-          </a:p>
-          <a:p>
-            <a:pPr lvl="2"/>
-            <a:r>
-              <a:rPr/>
-              <a:t>Fixing a bug vs Maintainer</a:t>
+              <a:t>Same root word as text.</a:t>
             </a:r>
           </a:p>
         </p:txBody>
@@ -3924,293 +3829,93 @@
           <a:chExt cx="0" cy="0"/>
         </a:xfrm>
       </p:grpSpPr>
-      <p:graphicFrame>
-        <p:nvGraphicFramePr>
-          <p:cNvPr id="6" name="Content Placeholder 5"/>
-          <p:cNvGraphicFramePr>
-            <a:graphicFrameLocks noGrp="1"/>
-          </p:cNvGraphicFramePr>
+      <p:sp>
+        <p:nvSpPr>
+          <p:cNvPr id="2" name="Title 1"/>
+          <p:cNvSpPr>
+            <a:spLocks noGrp="1"/>
+          </p:cNvSpPr>
+          <p:nvPr>
+            <p:ph type="title"/>
+          </p:nvPr>
+        </p:nvSpPr>
+        <p:spPr/>
+        <p:txBody>
+          <a:bodyPr/>
+          <a:lstStyle/>
+          <a:p>
+            <a:pPr lvl="0" marL="0" indent="0">
+              <a:buNone/>
+            </a:pPr>
+            <a:r>
+              <a:rPr/>
+              <a:t>Human</a:t>
+            </a:r>
+            <a:r>
+              <a:rPr/>
+              <a:t> </a:t>
+            </a:r>
+            <a:r>
+              <a:rPr/>
+              <a:t>Context</a:t>
+            </a:r>
+            <a:r>
+              <a:rPr/>
+              <a:t> </a:t>
+            </a:r>
+            <a:r>
+              <a:rPr/>
+              <a:t>w.r.t</a:t>
+            </a:r>
+            <a:r>
+              <a:rPr/>
+              <a:t> </a:t>
+            </a:r>
+            <a:r>
+              <a:rPr/>
+              <a:t>Engineering</a:t>
+            </a:r>
+            <a:r>
+              <a:rPr/>
+              <a:t> </a:t>
+            </a:r>
+            <a:r>
+              <a:rPr/>
+              <a:t>product</a:t>
+            </a:r>
+          </a:p>
+        </p:txBody>
+      </p:sp>
+      <p:sp>
+        <p:nvSpPr>
+          <p:cNvPr id="3" name="Content Placeholder 2"/>
+          <p:cNvSpPr>
+            <a:spLocks noGrp="1"/>
+          </p:cNvSpPr>
           <p:nvPr>
             <p:ph idx="1"/>
           </p:nvPr>
-        </p:nvGraphicFramePr>
-        <p:xfrm>
-          <a:off x="457200" y="1600200"/>
-          <a:ext cx="8229600" cy="4521200"/>
-        </p:xfrm>
-        <a:graphic>
-          <a:graphicData uri="http://schemas.openxmlformats.org/drawingml/2006/table">
-            <a:tbl>
-              <a:tblPr firstRow="1" bandRow="1">
-                <a:tableStyleId>{5C22544A-7EE6-4342-B048-85BDC9FD1C3A}</a:tableStyleId>
-              </a:tblPr>
-              <a:tblGrid>
-                <a:gridCol w="8229600"/>
-              </a:tblGrid>
-              <a:tr h="0">
-                <a:tc>
-                  <a:txBody>
-                    <a:bodyPr/>
-                    <a:lstStyle/>
-                    <a:p>
-                      <a:pPr lvl="0" marL="0" indent="0">
-                        <a:buNone/>
-                      </a:pPr>
-                      <a:r>
-                        <a:rPr/>
-                        <a:t>#</a:t>
-                      </a:r>
-                      <a:r>
-                        <a:rPr/>
-                        <a:t> </a:t>
-                      </a:r>
-                      <a:r>
-                        <a:rPr/>
-                        <a:t>Async</a:t>
-                      </a:r>
-                      <a:r>
-                        <a:rPr/>
-                        <a:t> </a:t>
-                      </a:r>
-                      <a:r>
-                        <a:rPr/>
-                        <a:t>Context</a:t>
-                      </a:r>
-                      <a:r>
-                        <a:rPr/>
-                        <a:t> </a:t>
-                      </a:r>
-                      <a:r>
-                        <a:rPr/>
-                        <a:t>ReadWrite</a:t>
-                      </a:r>
-                      <a:r>
-                        <a:rPr/>
-                        <a:t> </a:t>
-                      </a:r>
-                      <a:r>
-                        <a:rPr/>
-                        <a:t>Medium</a:t>
-                      </a:r>
-                    </a:p>
-                  </a:txBody>
-                  <a:tcPr/>
-                </a:tc>
-              </a:tr>
-              <a:tr h="0">
-                <a:tc>
-                  <a:txBody>
-                    <a:bodyPr/>
-                    <a:lstStyle/>
-                    <a:p>
-                      <a:pPr lvl="0" marL="0" indent="0">
-                        <a:buNone/>
-                      </a:pPr>
-                      <a:r>
-                        <a:rPr/>
-                        <a:t>#</a:t>
-                      </a:r>
-                      <a:r>
-                        <a:rPr/>
-                        <a:t> </a:t>
-                      </a:r>
-                      <a:r>
-                        <a:rPr/>
-                        <a:t>Async</a:t>
-                      </a:r>
-                      <a:r>
-                        <a:rPr/>
-                        <a:t> </a:t>
-                      </a:r>
-                      <a:r>
-                        <a:rPr/>
-                        <a:t>Context</a:t>
-                      </a:r>
-                      <a:r>
-                        <a:rPr/>
-                        <a:t> </a:t>
-                      </a:r>
-                      <a:r>
-                        <a:rPr/>
-                        <a:t>ReadOnly</a:t>
-                      </a:r>
-                      <a:r>
-                        <a:rPr/>
-                        <a:t> </a:t>
-                      </a:r>
-                      <a:r>
-                        <a:rPr/>
-                        <a:t>Medium</a:t>
-                      </a:r>
-                    </a:p>
-                  </a:txBody>
-                </a:tc>
-              </a:tr>
-              <a:tr h="0">
-                <a:tc>
-                  <a:txBody>
-                    <a:bodyPr/>
-                    <a:lstStyle/>
-                    <a:p>
-                      <a:pPr lvl="0" marL="0" indent="0">
-                        <a:buNone/>
-                      </a:pPr>
-                      <a:r>
-                        <a:rPr/>
-                        <a:t>-</a:t>
-                      </a:r>
-                      <a:r>
-                        <a:rPr/>
-                        <a:t> </a:t>
-                      </a:r>
-                      <a:r>
-                        <a:rPr/>
-                        <a:t>Audio/Visual</a:t>
-                      </a:r>
-                      <a:r>
-                        <a:rPr/>
-                        <a:t> </a:t>
-                      </a:r>
-                      <a:r>
-                        <a:rPr/>
-                        <a:t>-</a:t>
-                      </a:r>
-                      <a:r>
-                        <a:rPr/>
-                        <a:t> </a:t>
-                      </a:r>
-                      <a:r>
-                        <a:rPr/>
-                        <a:t>Recorded</a:t>
-                      </a:r>
-                      <a:r>
-                        <a:rPr/>
-                        <a:t> </a:t>
-                      </a:r>
-                      <a:r>
-                        <a:rPr/>
-                        <a:t>presentation</a:t>
-                      </a:r>
-                      <a:r>
-                        <a:rPr/>
-                        <a:t> </a:t>
-                      </a:r>
-                      <a:r>
-                        <a:rPr/>
-                        <a:t>-</a:t>
-                      </a:r>
-                      <a:r>
-                        <a:rPr/>
-                        <a:t> </a:t>
-                      </a:r>
-                      <a:r>
-                        <a:rPr/>
-                        <a:t>Documentation</a:t>
-                      </a:r>
-                      <a:r>
-                        <a:rPr/>
-                        <a:t> </a:t>
-                      </a:r>
-                      <a:r>
-                        <a:rPr/>
-                        <a:t>Website</a:t>
-                      </a:r>
-                      <a:r>
-                        <a:rPr/>
-                        <a:t> </a:t>
-                      </a:r>
-                      <a:r>
-                        <a:rPr/>
-                        <a:t>(No</a:t>
-                      </a:r>
-                      <a:r>
-                        <a:rPr/>
-                        <a:t> </a:t>
-                      </a:r>
-                      <a:r>
-                        <a:rPr/>
-                        <a:t>process</a:t>
-                      </a:r>
-                      <a:r>
-                        <a:rPr/>
-                        <a:t> </a:t>
-                      </a:r>
-                      <a:r>
-                        <a:rPr/>
-                        <a:t>to</a:t>
-                      </a:r>
-                      <a:r>
-                        <a:rPr/>
-                        <a:t> </a:t>
-                      </a:r>
-                      <a:r>
-                        <a:rPr/>
-                        <a:t>contribute)</a:t>
-                      </a:r>
-                      <a:r>
-                        <a:rPr/>
-                        <a:t> </a:t>
-                      </a:r>
-                      <a:r>
-                        <a:rPr/>
-                        <a:t>-</a:t>
-                      </a:r>
-                      <a:r>
-                        <a:rPr/>
-                        <a:t> </a:t>
-                      </a:r>
-                      <a:r>
-                        <a:rPr/>
-                        <a:t>Guides</a:t>
-                      </a:r>
-                      <a:r>
-                        <a:rPr/>
-                        <a:t> </a:t>
-                      </a:r>
-                      <a:r>
-                        <a:rPr/>
-                        <a:t>-</a:t>
-                      </a:r>
-                      <a:r>
-                        <a:rPr/>
-                        <a:t> </a:t>
-                      </a:r>
-                      <a:r>
-                        <a:rPr/>
-                        <a:t>Troubleshooting</a:t>
-                      </a:r>
-                      <a:r>
-                        <a:rPr/>
-                        <a:t> </a:t>
-                      </a:r>
-                      <a:r>
-                        <a:rPr/>
-                        <a:t>Guides</a:t>
-                      </a:r>
-                      <a:r>
-                        <a:rPr/>
-                        <a:t> </a:t>
-                      </a:r>
-                      <a:r>
-                        <a:rPr/>
-                        <a:t>-</a:t>
-                      </a:r>
-                      <a:r>
-                        <a:rPr/>
-                        <a:t> </a:t>
-                      </a:r>
-                      <a:r>
-                        <a:rPr/>
-                        <a:t>Tutorials</a:t>
-                      </a:r>
-                    </a:p>
-                  </a:txBody>
-                </a:tc>
-              </a:tr>
-            </a:tbl>
-          </a:graphicData>
-        </a:graphic>
-      </p:graphicFrame>
+        </p:nvSpPr>
+        <p:spPr/>
+        <p:txBody>
+          <a:bodyPr/>
+          <a:lstStyle/>
+          <a:p>
+            <a:pPr lvl="1"/>
+            <a:r>
+              <a:rPr/>
+              <a:t>Folks Contributing (We will focus here)</a:t>
+            </a:r>
+          </a:p>
+          <a:p>
+            <a:pPr lvl="1"/>
+            <a:r>
+              <a:rPr/>
+              <a:t>Folks using product</a:t>
+            </a:r>
+          </a:p>
+        </p:txBody>
+      </p:sp>
     </p:spTree>
   </p:cSld>
 </p:sld>
@@ -4253,7 +3958,7 @@
             </a:pPr>
             <a:r>
               <a:rPr/>
-              <a:t>Synchronous</a:t>
+              <a:t>Folks</a:t>
             </a:r>
             <a:r>
               <a:rPr/>
@@ -4261,15 +3966,7 @@
             </a:r>
             <a:r>
               <a:rPr/>
-              <a:t>Context</a:t>
-            </a:r>
-            <a:r>
-              <a:rPr/>
-              <a:t> </a:t>
-            </a:r>
-            <a:r>
-              <a:rPr/>
-              <a:t>Medium</a:t>
+              <a:t>Contributing</a:t>
             </a:r>
           </a:p>
         </p:txBody>
@@ -4292,28 +3989,28 @@
             <a:pPr lvl="1"/>
             <a:r>
               <a:rPr/>
-              <a:t>Realtime Collaboration.</a:t>
+              <a:t>Async vs synchronous contribution</a:t>
+            </a:r>
+          </a:p>
+          <a:p>
+            <a:pPr lvl="1"/>
+            <a:r>
+              <a:rPr/>
+              <a:t>ReadWrite vs ReadOnly</a:t>
+            </a:r>
+          </a:p>
+          <a:p>
+            <a:pPr lvl="1"/>
+            <a:r>
+              <a:rPr/>
+              <a:t>Short Term vs (Mid to Long term)</a:t>
             </a:r>
           </a:p>
           <a:p>
             <a:pPr lvl="2"/>
             <a:r>
               <a:rPr/>
-              <a:t>Meeting, live chat, in person conversation</a:t>
-            </a:r>
-          </a:p>
-          <a:p>
-            <a:pPr lvl="1"/>
-            <a:r>
-              <a:rPr/>
-              <a:t>Single use. Need to repeat for every new person or group of folks.</a:t>
-            </a:r>
-          </a:p>
-          <a:p>
-            <a:pPr lvl="1"/>
-            <a:r>
-              <a:rPr/>
-              <a:t>Doesn’t scale but they are useful.</a:t>
+              <a:t>Fixing a bug vs Maintainer</a:t>
             </a:r>
           </a:p>
         </p:txBody>
@@ -4340,482 +4037,284 @@
           <a:chExt cx="0" cy="0"/>
         </a:xfrm>
       </p:grpSpPr>
-      <p:graphicFrame>
-        <p:nvGraphicFramePr>
-          <p:cNvPr id="6" name="Content Placeholder 5"/>
-          <p:cNvGraphicFramePr>
-            <a:graphicFrameLocks noGrp="1"/>
-          </p:cNvGraphicFramePr>
+      <p:sp>
+        <p:nvSpPr>
+          <p:cNvPr id="2" name="Title 1"/>
+          <p:cNvSpPr>
+            <a:spLocks noGrp="1"/>
+          </p:cNvSpPr>
+          <p:nvPr>
+            <p:ph type="title"/>
+          </p:nvPr>
+        </p:nvSpPr>
+        <p:spPr/>
+        <p:txBody>
+          <a:bodyPr/>
+          <a:lstStyle/>
+          <a:p>
+            <a:pPr lvl="0" marL="0" indent="0">
+              <a:buNone/>
+            </a:pPr>
+            <a:r>
+              <a:rPr/>
+              <a:t>Async</a:t>
+            </a:r>
+            <a:r>
+              <a:rPr/>
+              <a:t> </a:t>
+            </a:r>
+            <a:r>
+              <a:rPr/>
+              <a:t>Context</a:t>
+            </a:r>
+            <a:r>
+              <a:rPr/>
+              <a:t> </a:t>
+            </a:r>
+            <a:r>
+              <a:rPr/>
+              <a:t>ReadWrite</a:t>
+            </a:r>
+            <a:r>
+              <a:rPr/>
+              <a:t> </a:t>
+            </a:r>
+            <a:r>
+              <a:rPr/>
+              <a:t>Medium</a:t>
+            </a:r>
+          </a:p>
+        </p:txBody>
+      </p:sp>
+      <p:sp>
+        <p:nvSpPr>
+          <p:cNvPr id="3" name="Content Placeholder 2"/>
+          <p:cNvSpPr>
+            <a:spLocks noGrp="1"/>
+          </p:cNvSpPr>
           <p:nvPr>
             <p:ph idx="1"/>
           </p:nvPr>
-        </p:nvGraphicFramePr>
-        <p:xfrm>
-          <a:off x="457200" y="1600200"/>
-          <a:ext cx="8229600" cy="4521200"/>
-        </p:xfrm>
-        <a:graphic>
-          <a:graphicData uri="http://schemas.openxmlformats.org/drawingml/2006/table">
-            <a:tbl>
-              <a:tblPr firstRow="0" bandRow="1">
-                <a:tableStyleId>{5C22544A-7EE6-4342-B048-85BDC9FD1C3A}</a:tableStyleId>
-              </a:tblPr>
-              <a:tblGrid>
-                <a:gridCol w="8229600"/>
-              </a:tblGrid>
-              <a:tr h="0">
-                <a:tc>
-                  <a:txBody>
-                    <a:bodyPr/>
-                    <a:lstStyle/>
-                    <a:p>
-                      <a:pPr lvl="0" marL="0" indent="0">
-                        <a:buNone/>
-                      </a:pPr>
-                      <a:r>
-                        <a:rPr/>
-                        <a:t>#</a:t>
-                      </a:r>
-                      <a:r>
-                        <a:rPr/>
-                        <a:t> </a:t>
-                      </a:r>
-                      <a:r>
-                        <a:rPr/>
-                        <a:t>Desired</a:t>
-                      </a:r>
-                      <a:r>
-                        <a:rPr/>
-                        <a:t> </a:t>
-                      </a:r>
-                      <a:r>
-                        <a:rPr/>
-                        <a:t>qualities</a:t>
-                      </a:r>
-                      <a:r>
-                        <a:rPr/>
-                        <a:t> </a:t>
-                      </a:r>
-                      <a:r>
-                        <a:rPr/>
-                        <a:t>of</a:t>
-                      </a:r>
-                      <a:r>
-                        <a:rPr/>
-                        <a:t> </a:t>
-                      </a:r>
-                      <a:r>
-                        <a:rPr/>
-                        <a:t>context</a:t>
-                      </a:r>
-                      <a:r>
-                        <a:rPr/>
-                        <a:t> </a:t>
-                      </a:r>
-                      <a:r>
-                        <a:rPr/>
-                        <a:t>sharing</a:t>
-                      </a:r>
-                      <a:r>
-                        <a:rPr/>
-                        <a:t> </a:t>
-                      </a:r>
-                      <a:r>
-                        <a:rPr/>
-                        <a:t>-</a:t>
-                      </a:r>
-                      <a:r>
-                        <a:rPr/>
-                        <a:t> </a:t>
-                      </a:r>
-                      <a:r>
-                        <a:rPr/>
-                        <a:t>Available</a:t>
-                      </a:r>
-                      <a:r>
-                        <a:rPr/>
-                        <a:t> </a:t>
-                      </a:r>
-                      <a:r>
-                        <a:rPr/>
-                        <a:t>in</a:t>
-                      </a:r>
-                      <a:r>
-                        <a:rPr/>
-                        <a:t> </a:t>
-                      </a:r>
-                      <a:r>
-                        <a:rPr/>
-                        <a:t>asynchronous</a:t>
-                      </a:r>
-                      <a:r>
-                        <a:rPr/>
-                        <a:t> </a:t>
-                      </a:r>
-                      <a:r>
-                        <a:rPr/>
-                        <a:t>medium</a:t>
-                      </a:r>
-                      <a:r>
-                        <a:rPr/>
-                        <a:t> </a:t>
-                      </a:r>
-                      <a:r>
-                        <a:rPr/>
-                        <a:t>in</a:t>
-                      </a:r>
-                      <a:r>
-                        <a:rPr/>
-                        <a:t> </a:t>
-                      </a:r>
-                      <a:r>
-                        <a:rPr/>
-                        <a:t>a</a:t>
-                      </a:r>
-                      <a:r>
-                        <a:rPr/>
-                        <a:t> </a:t>
-                      </a:r>
-                      <a:r>
-                        <a:rPr/>
-                        <a:t>way</a:t>
-                      </a:r>
-                      <a:r>
-                        <a:rPr/>
-                        <a:t> </a:t>
-                      </a:r>
-                      <a:r>
-                        <a:rPr/>
-                        <a:t>that</a:t>
-                      </a:r>
-                      <a:r>
-                        <a:rPr/>
-                        <a:t> </a:t>
-                      </a:r>
-                      <a:r>
-                        <a:rPr/>
-                        <a:t>is</a:t>
-                      </a:r>
-                      <a:r>
-                        <a:rPr/>
-                        <a:t> </a:t>
-                      </a:r>
-                      <a:r>
-                        <a:rPr/>
-                        <a:t>easy</a:t>
-                      </a:r>
-                      <a:r>
-                        <a:rPr/>
-                        <a:t> </a:t>
-                      </a:r>
-                      <a:r>
-                        <a:rPr/>
-                        <a:t>for</a:t>
-                      </a:r>
-                      <a:r>
-                        <a:rPr/>
-                        <a:t> </a:t>
-                      </a:r>
-                      <a:r>
-                        <a:rPr/>
-                        <a:t>the</a:t>
-                      </a:r>
-                      <a:r>
-                        <a:rPr/>
-                        <a:t> </a:t>
-                      </a:r>
-                      <a:r>
-                        <a:rPr/>
-                        <a:t>consumer</a:t>
-                      </a:r>
-                      <a:r>
-                        <a:rPr/>
-                        <a:t> </a:t>
-                      </a:r>
-                      <a:r>
-                        <a:rPr/>
-                        <a:t>and</a:t>
-                      </a:r>
-                      <a:r>
-                        <a:rPr/>
-                        <a:t> </a:t>
-                      </a:r>
-                      <a:r>
-                        <a:rPr/>
-                        <a:t>to</a:t>
-                      </a:r>
-                      <a:r>
-                        <a:rPr/>
-                        <a:t> </a:t>
-                      </a:r>
-                      <a:r>
-                        <a:rPr/>
-                        <a:t>contribute</a:t>
-                      </a:r>
-                      <a:r>
-                        <a:rPr/>
-                        <a:t> </a:t>
-                      </a:r>
-                      <a:r>
-                        <a:rPr/>
-                        <a:t>updates.</a:t>
-                      </a:r>
-                      <a:r>
-                        <a:rPr/>
-                        <a:t> </a:t>
-                      </a:r>
-                      <a:r>
-                        <a:rPr/>
-                        <a:t>-</a:t>
-                      </a:r>
-                      <a:r>
-                        <a:rPr/>
-                        <a:t> </a:t>
-                      </a:r>
-                      <a:r>
-                        <a:rPr/>
-                        <a:t>Subject</a:t>
-                      </a:r>
-                      <a:r>
-                        <a:rPr/>
-                        <a:t> </a:t>
-                      </a:r>
-                      <a:r>
-                        <a:rPr/>
-                        <a:t>matter</a:t>
-                      </a:r>
-                      <a:r>
-                        <a:rPr/>
-                        <a:t> </a:t>
-                      </a:r>
-                      <a:r>
-                        <a:rPr/>
-                        <a:t>experts</a:t>
-                      </a:r>
-                      <a:r>
-                        <a:rPr/>
-                        <a:t> </a:t>
-                      </a:r>
-                      <a:r>
-                        <a:rPr/>
-                        <a:t>are</a:t>
-                      </a:r>
-                      <a:r>
-                        <a:rPr/>
-                        <a:t> </a:t>
-                      </a:r>
-                      <a:r>
-                        <a:rPr/>
-                        <a:t>available</a:t>
-                      </a:r>
-                      <a:r>
-                        <a:rPr/>
-                        <a:t> </a:t>
-                      </a:r>
-                      <a:r>
-                        <a:rPr/>
-                        <a:t>over</a:t>
-                      </a:r>
-                      <a:r>
-                        <a:rPr/>
-                        <a:t> </a:t>
-                      </a:r>
-                      <a:r>
-                        <a:rPr/>
-                        <a:t>asynchronous</a:t>
-                      </a:r>
-                      <a:r>
-                        <a:rPr/>
-                        <a:t> </a:t>
-                      </a:r>
-                      <a:r>
-                        <a:rPr/>
-                        <a:t>communication</a:t>
-                      </a:r>
-                      <a:r>
-                        <a:rPr/>
-                        <a:t> </a:t>
-                      </a:r>
-                      <a:r>
-                        <a:rPr/>
-                        <a:t>to</a:t>
-                      </a:r>
-                      <a:r>
-                        <a:rPr/>
-                        <a:t> </a:t>
-                      </a:r>
-                      <a:r>
-                        <a:rPr/>
-                        <a:t>help</a:t>
-                      </a:r>
-                      <a:r>
-                        <a:rPr/>
-                        <a:t> </a:t>
-                      </a:r>
-                      <a:r>
-                        <a:rPr/>
-                        <a:t>clarify</a:t>
-                      </a:r>
-                      <a:r>
-                        <a:rPr/>
-                        <a:t> </a:t>
-                      </a:r>
-                      <a:r>
-                        <a:rPr/>
-                        <a:t>questions.</a:t>
-                      </a:r>
-                      <a:r>
-                        <a:rPr/>
-                        <a:t> </a:t>
-                      </a:r>
-                      <a:r>
-                        <a:rPr/>
-                        <a:t>Sync</a:t>
-                      </a:r>
-                      <a:r>
-                        <a:rPr/>
-                        <a:t> </a:t>
-                      </a:r>
-                      <a:r>
-                        <a:rPr/>
-                        <a:t>meetings</a:t>
-                      </a:r>
-                      <a:r>
-                        <a:rPr/>
-                        <a:t> </a:t>
-                      </a:r>
-                      <a:r>
-                        <a:rPr/>
-                        <a:t>can</a:t>
-                      </a:r>
-                      <a:r>
-                        <a:rPr/>
-                        <a:t> </a:t>
-                      </a:r>
-                      <a:r>
-                        <a:rPr/>
-                        <a:t>be</a:t>
-                      </a:r>
-                      <a:r>
-                        <a:rPr/>
-                        <a:t> </a:t>
-                      </a:r>
-                      <a:r>
-                        <a:rPr/>
-                        <a:t>arranged</a:t>
-                      </a:r>
-                      <a:r>
-                        <a:rPr/>
-                        <a:t> </a:t>
-                      </a:r>
-                      <a:r>
-                        <a:rPr/>
-                        <a:t>on</a:t>
-                      </a:r>
-                      <a:r>
-                        <a:rPr/>
-                        <a:t> </a:t>
-                      </a:r>
-                      <a:r>
-                        <a:rPr/>
-                        <a:t>case</a:t>
-                      </a:r>
-                      <a:r>
-                        <a:rPr/>
-                        <a:t> </a:t>
-                      </a:r>
-                      <a:r>
-                        <a:rPr/>
-                        <a:t>by</a:t>
-                      </a:r>
-                      <a:r>
-                        <a:rPr/>
-                        <a:t> </a:t>
-                      </a:r>
-                      <a:r>
-                        <a:rPr/>
-                        <a:t>case</a:t>
-                      </a:r>
-                      <a:r>
-                        <a:rPr/>
-                        <a:t> </a:t>
-                      </a:r>
-                      <a:r>
-                        <a:rPr/>
-                        <a:t>basis</a:t>
-                      </a:r>
-                      <a:r>
-                        <a:rPr/>
-                        <a:t> </a:t>
-                      </a:r>
-                      <a:r>
-                        <a:rPr/>
-                        <a:t>as</a:t>
-                      </a:r>
-                      <a:r>
-                        <a:rPr/>
-                        <a:t> </a:t>
-                      </a:r>
-                      <a:r>
-                        <a:rPr/>
-                        <a:t>need</a:t>
-                      </a:r>
-                      <a:r>
-                        <a:rPr/>
-                        <a:t> </a:t>
-                      </a:r>
-                      <a:r>
-                        <a:rPr/>
-                        <a:t>arises</a:t>
-                      </a:r>
-                      <a:r>
-                        <a:rPr/>
-                        <a:t> </a:t>
-                      </a:r>
-                      <a:r>
-                        <a:rPr/>
-                        <a:t>(this</a:t>
-                      </a:r>
-                      <a:r>
-                        <a:rPr/>
-                        <a:t> </a:t>
-                      </a:r>
-                      <a:r>
-                        <a:rPr/>
-                        <a:t>should</a:t>
-                      </a:r>
-                      <a:r>
-                        <a:rPr/>
-                        <a:t> </a:t>
-                      </a:r>
-                      <a:r>
-                        <a:rPr/>
-                        <a:t>enhance</a:t>
-                      </a:r>
-                      <a:r>
-                        <a:rPr/>
-                        <a:t> </a:t>
-                      </a:r>
-                      <a:r>
-                        <a:rPr/>
-                        <a:t>asynchronous</a:t>
-                      </a:r>
-                      <a:r>
-                        <a:rPr/>
-                        <a:t> </a:t>
-                      </a:r>
-                      <a:r>
-                        <a:rPr/>
-                        <a:t>communication)</a:t>
-                      </a:r>
-                    </a:p>
-                  </a:txBody>
-                </a:tc>
-              </a:tr>
-            </a:tbl>
-          </a:graphicData>
-        </a:graphic>
-      </p:graphicFrame>
+        </p:nvSpPr>
+        <p:spPr/>
+        <p:txBody>
+          <a:bodyPr/>
+          <a:lstStyle/>
+          <a:p>
+            <a:pPr lvl="1"/>
+            <a:r>
+              <a:rPr/>
+              <a:t>Text</a:t>
+            </a:r>
+          </a:p>
+          <a:p>
+            <a:pPr lvl="2"/>
+            <a:r>
+              <a:rPr/>
+              <a:t>Markdown, Wiki, Word</a:t>
+            </a:r>
+          </a:p>
+          <a:p>
+            <a:pPr lvl="1"/>
+            <a:r>
+              <a:rPr/>
+              <a:t>Visual</a:t>
+            </a:r>
+          </a:p>
+          <a:p>
+            <a:pPr lvl="2"/>
+            <a:r>
+              <a:rPr/>
+              <a:t>Graphics</a:t>
+            </a:r>
+          </a:p>
+          <a:p>
+            <a:pPr lvl="3"/>
+            <a:r>
+              <a:rPr/>
+              <a:t>Drawings</a:t>
+            </a:r>
+          </a:p>
+          <a:p>
+            <a:pPr lvl="4"/>
+            <a:r>
+              <a:rPr/>
+              <a:t>Paint app, photo of markerboard/smartboard, vector app.</a:t>
+            </a:r>
+          </a:p>
+          <a:p>
+            <a:pPr lvl="2"/>
+            <a:r>
+              <a:rPr/>
+              <a:t>Presentation</a:t>
+            </a:r>
+          </a:p>
+          <a:p>
+            <a:pPr lvl="3"/>
+            <a:r>
+              <a:rPr/>
+              <a:t>PowerPoint Slides</a:t>
+            </a:r>
+          </a:p>
+          <a:p>
+            <a:pPr lvl="1"/>
+            <a:r>
+              <a:rPr/>
+              <a:t>Interactive</a:t>
+            </a:r>
+          </a:p>
+          <a:p>
+            <a:pPr lvl="2"/>
+            <a:r>
+              <a:rPr/>
+              <a:t>PR collaboration</a:t>
+            </a:r>
+          </a:p>
+          <a:p>
+            <a:pPr lvl="2"/>
+            <a:r>
+              <a:rPr/>
+              <a:t>Word document comments</a:t>
+            </a:r>
+          </a:p>
+          <a:p>
+            <a:pPr lvl="2"/>
+            <a:r>
+              <a:rPr/>
+              <a:t>Email</a:t>
+            </a:r>
+          </a:p>
+        </p:txBody>
+      </p:sp>
+    </p:spTree>
+  </p:cSld>
+</p:sld>
+</file>
+
+<file path=ppt/slides/slide9.xml><?xml version="1.0" encoding="utf-8"?>
+<p:sld xmlns:a="http://schemas.openxmlformats.org/drawingml/2006/main" xmlns:r="http://schemas.openxmlformats.org/officeDocument/2006/relationships" xmlns:p="http://schemas.openxmlformats.org/presentationml/2006/main">
+  <p:cSld>
+    <p:spTree>
+      <p:nvGrpSpPr>
+        <p:cNvPr id="1" name=""/>
+        <p:cNvGrpSpPr/>
+        <p:nvPr/>
+      </p:nvGrpSpPr>
+      <p:grpSpPr>
+        <a:xfrm>
+          <a:off x="0" y="0"/>
+          <a:ext cx="0" cy="0"/>
+          <a:chOff x="0" y="0"/>
+          <a:chExt cx="0" cy="0"/>
+        </a:xfrm>
+      </p:grpSpPr>
+      <p:sp>
+        <p:nvSpPr>
+          <p:cNvPr id="2" name="Title 1"/>
+          <p:cNvSpPr>
+            <a:spLocks noGrp="1"/>
+          </p:cNvSpPr>
+          <p:nvPr>
+            <p:ph type="title"/>
+          </p:nvPr>
+        </p:nvSpPr>
+        <p:spPr/>
+        <p:txBody>
+          <a:bodyPr/>
+          <a:lstStyle/>
+          <a:p>
+            <a:pPr lvl="0" marL="0" indent="0">
+              <a:buNone/>
+            </a:pPr>
+            <a:r>
+              <a:rPr/>
+              <a:t>Async</a:t>
+            </a:r>
+            <a:r>
+              <a:rPr/>
+              <a:t> </a:t>
+            </a:r>
+            <a:r>
+              <a:rPr/>
+              <a:t>Context</a:t>
+            </a:r>
+            <a:r>
+              <a:rPr/>
+              <a:t> </a:t>
+            </a:r>
+            <a:r>
+              <a:rPr/>
+              <a:t>ReadOnly</a:t>
+            </a:r>
+            <a:r>
+              <a:rPr/>
+              <a:t> </a:t>
+            </a:r>
+            <a:r>
+              <a:rPr/>
+              <a:t>Medium</a:t>
+            </a:r>
+          </a:p>
+        </p:txBody>
+      </p:sp>
+      <p:sp>
+        <p:nvSpPr>
+          <p:cNvPr id="3" name="Content Placeholder 2"/>
+          <p:cNvSpPr>
+            <a:spLocks noGrp="1"/>
+          </p:cNvSpPr>
+          <p:nvPr>
+            <p:ph idx="1"/>
+          </p:nvPr>
+        </p:nvSpPr>
+        <p:spPr/>
+        <p:txBody>
+          <a:bodyPr/>
+          <a:lstStyle/>
+          <a:p>
+            <a:pPr lvl="1"/>
+            <a:r>
+              <a:rPr/>
+              <a:t>Audio/Visual</a:t>
+            </a:r>
+          </a:p>
+          <a:p>
+            <a:pPr lvl="2"/>
+            <a:r>
+              <a:rPr/>
+              <a:t>Recorded presentation</a:t>
+            </a:r>
+          </a:p>
+          <a:p>
+            <a:pPr lvl="1"/>
+            <a:r>
+              <a:rPr/>
+              <a:t>Documentation Website (No process to contribute)</a:t>
+            </a:r>
+          </a:p>
+          <a:p>
+            <a:pPr lvl="2"/>
+            <a:r>
+              <a:rPr/>
+              <a:t>Guides</a:t>
+            </a:r>
+          </a:p>
+          <a:p>
+            <a:pPr lvl="3"/>
+            <a:r>
+              <a:rPr/>
+              <a:t>Troubleshooting Guides</a:t>
+            </a:r>
+          </a:p>
+          <a:p>
+            <a:pPr lvl="3"/>
+            <a:r>
+              <a:rPr/>
+              <a:t>Tutorials</a:t>
+            </a:r>
+          </a:p>
+        </p:txBody>
+      </p:sp>
     </p:spTree>
   </p:cSld>
 </p:sld>

--- a/presentation/render/eng_contextual_awareness.pptx
+++ b/presentation/render/eng_contextual_awareness.pptx
@@ -16,6 +16,7 @@
     <p:sldId id="264" r:id="rId10"/>
     <p:sldId id="265" r:id="rId11"/>
     <p:sldId id="266" r:id="rId12"/>
+    <p:sldId id="267" r:id="rId13"/>
   </p:sldIdLst>
   <p:sldSz cx="9144000" cy="6858000" type="screen4x3"/>
   <p:notesSz cx="6858000" cy="9144000"/>
@@ -3395,6 +3396,78 @@
             <a:r>
               <a:rPr/>
               <a:t>Subject matter experts are available over asynchronous communication to help clarify questions. Sync meetings can be arranged on case by case basis as need arises (this should enhance asynchronous communication)</a:t>
+            </a:r>
+          </a:p>
+        </p:txBody>
+      </p:sp>
+    </p:spTree>
+  </p:cSld>
+</p:sld>
+</file>
+
+<file path=ppt/slides/slide12.xml><?xml version="1.0" encoding="utf-8"?>
+<p:sld xmlns:a="http://schemas.openxmlformats.org/drawingml/2006/main" xmlns:r="http://schemas.openxmlformats.org/officeDocument/2006/relationships" xmlns:p="http://schemas.openxmlformats.org/presentationml/2006/main">
+  <p:cSld>
+    <p:spTree>
+      <p:nvGrpSpPr>
+        <p:cNvPr id="1" name=""/>
+        <p:cNvGrpSpPr/>
+        <p:nvPr/>
+      </p:nvGrpSpPr>
+      <p:grpSpPr>
+        <a:xfrm>
+          <a:off x="0" y="0"/>
+          <a:ext cx="0" cy="0"/>
+          <a:chOff x="0" y="0"/>
+          <a:chExt cx="0" cy="0"/>
+        </a:xfrm>
+      </p:grpSpPr>
+      <p:sp>
+        <p:nvSpPr>
+          <p:cNvPr id="2" name="Title 1"/>
+          <p:cNvSpPr>
+            <a:spLocks noGrp="1"/>
+          </p:cNvSpPr>
+          <p:nvPr>
+            <p:ph type="title"/>
+          </p:nvPr>
+        </p:nvSpPr>
+        <p:spPr/>
+        <p:txBody>
+          <a:bodyPr/>
+          <a:lstStyle/>
+          <a:p>
+            <a:pPr lvl="0" marL="0" indent="0">
+              <a:buNone/>
+            </a:pPr>
+            <a:r>
+              <a:rPr/>
+              <a:t>Economics</a:t>
+            </a:r>
+          </a:p>
+        </p:txBody>
+      </p:sp>
+      <p:sp>
+        <p:nvSpPr>
+          <p:cNvPr id="3" name="Content Placeholder 2"/>
+          <p:cNvSpPr>
+            <a:spLocks noGrp="1"/>
+          </p:cNvSpPr>
+          <p:nvPr>
+            <p:ph idx="1"/>
+          </p:nvPr>
+        </p:nvSpPr>
+        <p:spPr/>
+        <p:txBody>
+          <a:bodyPr/>
+          <a:lstStyle/>
+          <a:p>
+            <a:pPr lvl="0" marL="0" indent="0">
+              <a:buNone/>
+            </a:pPr>
+            <a:r>
+              <a:rPr/>
+              <a:t>Tragedy of the commons https://en.wikipedia.org/wiki/Tragedy_of_the_commons</a:t>
             </a:r>
           </a:p>
         </p:txBody>

--- a/presentation/render/eng_contextual_awareness.pptx
+++ b/presentation/render/eng_contextual_awareness.pptx
@@ -18,7 +18,7 @@
     <p:sldId id="266" r:id="rId12"/>
     <p:sldId id="267" r:id="rId13"/>
   </p:sldIdLst>
-  <p:sldSz cx="9144000" cy="6858000" type="screen4x3"/>
+  <p:sldSz cx="12192000" cy="6858000"/>
   <p:notesSz cx="6858000" cy="9144000"/>
   <p:defaultTextStyle>
     <a:defPPr>
@@ -118,12 +118,12 @@
   <p:extLst>
     <p:ext uri="{EFAFB233-063F-42B5-8137-9DF3F51BA10A}">
       <p15:sldGuideLst xmlns:p15="http://schemas.microsoft.com/office/powerpoint/2012/main">
-        <p15:guide id="1" orient="horz" pos="2160">
+        <p15:guide id="1" orient="horz" pos="2160" userDrawn="1">
           <p15:clr>
             <a:srgbClr val="A4A3A4"/>
           </p15:clr>
         </p15:guide>
-        <p15:guide id="2" pos="2880">
+        <p15:guide id="2" pos="3840" userDrawn="1">
           <p15:clr>
             <a:srgbClr val="A4A3A4"/>
           </p15:clr>
@@ -163,8 +163,8 @@
         </p:nvSpPr>
         <p:spPr>
           <a:xfrm>
-            <a:off x="685800" y="2130425"/>
-            <a:ext cx="7772400" cy="1470025"/>
+            <a:off x="914400" y="2130426"/>
+            <a:ext cx="10363200" cy="1470025"/>
           </a:xfrm>
         </p:spPr>
         <p:txBody>
@@ -172,10 +172,9 @@
           <a:lstStyle/>
           <a:p>
             <a:r>
-              <a:rPr lang="en-US" smtClean="0"/>
+              <a:rPr lang="en-US"/>
               <a:t>Click to edit Master title style</a:t>
             </a:r>
-            <a:endParaRPr lang="en-US"/>
           </a:p>
         </p:txBody>
       </p:sp>
@@ -191,8 +190,8 @@
         </p:nvSpPr>
         <p:spPr>
           <a:xfrm>
-            <a:off x="1371600" y="3886200"/>
-            <a:ext cx="6400800" cy="1752600"/>
+            <a:off x="1828800" y="3886200"/>
+            <a:ext cx="8534400" cy="1752600"/>
           </a:xfrm>
         </p:spPr>
         <p:txBody>
@@ -291,10 +290,9 @@
           </a:lstStyle>
           <a:p>
             <a:r>
-              <a:rPr lang="en-US" smtClean="0"/>
+              <a:rPr lang="en-US"/>
               <a:t>Click to edit Master subtitle style</a:t>
             </a:r>
-            <a:endParaRPr lang="en-US"/>
           </a:p>
         </p:txBody>
       </p:sp>
@@ -315,7 +313,7 @@
           <a:p>
             <a:fld id="{241EB5C9-1307-BA42-ABA2-0BC069CD8E7F}" type="datetimeFigureOut">
               <a:rPr lang="en-US" smtClean="0"/>
-              <a:t>4/5/2019</a:t>
+              <a:t>2021-11-07</a:t>
             </a:fld>
             <a:endParaRPr lang="en-US"/>
           </a:p>
@@ -409,10 +407,9 @@
           <a:lstStyle/>
           <a:p>
             <a:r>
-              <a:rPr lang="en-US" smtClean="0"/>
+              <a:rPr lang="en-US"/>
               <a:t>Click to edit Master title style</a:t>
             </a:r>
-            <a:endParaRPr lang="en-US"/>
           </a:p>
         </p:txBody>
       </p:sp>
@@ -433,38 +430,37 @@
           <a:p>
             <a:pPr lvl="0"/>
             <a:r>
-              <a:rPr lang="en-US" smtClean="0"/>
+              <a:rPr lang="en-US"/>
               <a:t>Click to edit Master text styles</a:t>
             </a:r>
           </a:p>
           <a:p>
             <a:pPr lvl="1"/>
             <a:r>
-              <a:rPr lang="en-US" smtClean="0"/>
+              <a:rPr lang="en-US"/>
               <a:t>Second level</a:t>
             </a:r>
           </a:p>
           <a:p>
             <a:pPr lvl="2"/>
             <a:r>
-              <a:rPr lang="en-US" smtClean="0"/>
+              <a:rPr lang="en-US"/>
               <a:t>Third level</a:t>
             </a:r>
           </a:p>
           <a:p>
             <a:pPr lvl="3"/>
             <a:r>
-              <a:rPr lang="en-US" smtClean="0"/>
+              <a:rPr lang="en-US"/>
               <a:t>Fourth level</a:t>
             </a:r>
           </a:p>
           <a:p>
             <a:pPr lvl="4"/>
             <a:r>
-              <a:rPr lang="en-US" smtClean="0"/>
+              <a:rPr lang="en-US"/>
               <a:t>Fifth level</a:t>
             </a:r>
-            <a:endParaRPr lang="en-US"/>
           </a:p>
         </p:txBody>
       </p:sp>
@@ -485,7 +481,7 @@
           <a:p>
             <a:fld id="{241EB5C9-1307-BA42-ABA2-0BC069CD8E7F}" type="datetimeFigureOut">
               <a:rPr lang="en-US" smtClean="0"/>
-              <a:t>4/5/2019</a:t>
+              <a:t>2021-11-07</a:t>
             </a:fld>
             <a:endParaRPr lang="en-US"/>
           </a:p>
@@ -575,8 +571,8 @@
         </p:nvSpPr>
         <p:spPr>
           <a:xfrm>
-            <a:off x="6629400" y="274638"/>
-            <a:ext cx="2057400" cy="5851525"/>
+            <a:off x="8839200" y="274639"/>
+            <a:ext cx="2743200" cy="5851525"/>
           </a:xfrm>
         </p:spPr>
         <p:txBody>
@@ -584,10 +580,9 @@
           <a:lstStyle/>
           <a:p>
             <a:r>
-              <a:rPr lang="en-US" smtClean="0"/>
+              <a:rPr lang="en-US"/>
               <a:t>Click to edit Master title style</a:t>
             </a:r>
-            <a:endParaRPr lang="en-US"/>
           </a:p>
         </p:txBody>
       </p:sp>
@@ -603,8 +598,8 @@
         </p:nvSpPr>
         <p:spPr>
           <a:xfrm>
-            <a:off x="457200" y="274638"/>
-            <a:ext cx="6019800" cy="5851525"/>
+            <a:off x="609600" y="274639"/>
+            <a:ext cx="8026400" cy="5851525"/>
           </a:xfrm>
         </p:spPr>
         <p:txBody>
@@ -613,38 +608,37 @@
           <a:p>
             <a:pPr lvl="0"/>
             <a:r>
-              <a:rPr lang="en-US" smtClean="0"/>
+              <a:rPr lang="en-US"/>
               <a:t>Click to edit Master text styles</a:t>
             </a:r>
           </a:p>
           <a:p>
             <a:pPr lvl="1"/>
             <a:r>
-              <a:rPr lang="en-US" smtClean="0"/>
+              <a:rPr lang="en-US"/>
               <a:t>Second level</a:t>
             </a:r>
           </a:p>
           <a:p>
             <a:pPr lvl="2"/>
             <a:r>
-              <a:rPr lang="en-US" smtClean="0"/>
+              <a:rPr lang="en-US"/>
               <a:t>Third level</a:t>
             </a:r>
           </a:p>
           <a:p>
             <a:pPr lvl="3"/>
             <a:r>
-              <a:rPr lang="en-US" smtClean="0"/>
+              <a:rPr lang="en-US"/>
               <a:t>Fourth level</a:t>
             </a:r>
           </a:p>
           <a:p>
             <a:pPr lvl="4"/>
             <a:r>
-              <a:rPr lang="en-US" smtClean="0"/>
+              <a:rPr lang="en-US"/>
               <a:t>Fifth level</a:t>
             </a:r>
-            <a:endParaRPr lang="en-US"/>
           </a:p>
         </p:txBody>
       </p:sp>
@@ -665,7 +659,7 @@
           <a:p>
             <a:fld id="{241EB5C9-1307-BA42-ABA2-0BC069CD8E7F}" type="datetimeFigureOut">
               <a:rPr lang="en-US" smtClean="0"/>
-              <a:t>4/5/2019</a:t>
+              <a:t>2021-11-07</a:t>
             </a:fld>
             <a:endParaRPr lang="en-US"/>
           </a:p>
@@ -759,10 +753,9 @@
           <a:lstStyle/>
           <a:p>
             <a:r>
-              <a:rPr lang="en-US" smtClean="0"/>
+              <a:rPr lang="en-US"/>
               <a:t>Click to edit Master title style</a:t>
             </a:r>
-            <a:endParaRPr lang="en-US"/>
           </a:p>
         </p:txBody>
       </p:sp>
@@ -783,38 +776,37 @@
           <a:p>
             <a:pPr lvl="0"/>
             <a:r>
-              <a:rPr lang="en-US" smtClean="0"/>
+              <a:rPr lang="en-US"/>
               <a:t>Click to edit Master text styles</a:t>
             </a:r>
           </a:p>
           <a:p>
             <a:pPr lvl="1"/>
             <a:r>
-              <a:rPr lang="en-US" smtClean="0"/>
+              <a:rPr lang="en-US"/>
               <a:t>Second level</a:t>
             </a:r>
           </a:p>
           <a:p>
             <a:pPr lvl="2"/>
             <a:r>
-              <a:rPr lang="en-US" smtClean="0"/>
+              <a:rPr lang="en-US"/>
               <a:t>Third level</a:t>
             </a:r>
           </a:p>
           <a:p>
             <a:pPr lvl="3"/>
             <a:r>
-              <a:rPr lang="en-US" smtClean="0"/>
+              <a:rPr lang="en-US"/>
               <a:t>Fourth level</a:t>
             </a:r>
           </a:p>
           <a:p>
             <a:pPr lvl="4"/>
             <a:r>
-              <a:rPr lang="en-US" smtClean="0"/>
+              <a:rPr lang="en-US"/>
               <a:t>Fifth level</a:t>
             </a:r>
-            <a:endParaRPr lang="en-US"/>
           </a:p>
         </p:txBody>
       </p:sp>
@@ -835,7 +827,7 @@
           <a:p>
             <a:fld id="{241EB5C9-1307-BA42-ABA2-0BC069CD8E7F}" type="datetimeFigureOut">
               <a:rPr lang="en-US" smtClean="0"/>
-              <a:t>4/5/2019</a:t>
+              <a:t>2021-11-07</a:t>
             </a:fld>
             <a:endParaRPr lang="en-US"/>
           </a:p>
@@ -925,8 +917,8 @@
         </p:nvSpPr>
         <p:spPr>
           <a:xfrm>
-            <a:off x="722313" y="4406900"/>
-            <a:ext cx="7772400" cy="1362075"/>
+            <a:off x="963084" y="4406901"/>
+            <a:ext cx="10363200" cy="1362075"/>
           </a:xfrm>
         </p:spPr>
         <p:txBody>
@@ -938,10 +930,9 @@
           </a:lstStyle>
           <a:p>
             <a:r>
-              <a:rPr lang="en-US" smtClean="0"/>
+              <a:rPr lang="en-US"/>
               <a:t>Click to edit Master title style</a:t>
             </a:r>
-            <a:endParaRPr lang="en-US"/>
           </a:p>
         </p:txBody>
       </p:sp>
@@ -957,8 +948,8 @@
         </p:nvSpPr>
         <p:spPr>
           <a:xfrm>
-            <a:off x="722313" y="2906713"/>
-            <a:ext cx="7772400" cy="1500187"/>
+            <a:off x="963084" y="2906713"/>
+            <a:ext cx="10363200" cy="1500187"/>
           </a:xfrm>
         </p:spPr>
         <p:txBody>
@@ -1058,7 +1049,7 @@
           <a:p>
             <a:pPr lvl="0"/>
             <a:r>
-              <a:rPr lang="en-US" smtClean="0"/>
+              <a:rPr lang="en-US"/>
               <a:t>Click to edit Master text styles</a:t>
             </a:r>
           </a:p>
@@ -1081,7 +1072,7 @@
           <a:p>
             <a:fld id="{241EB5C9-1307-BA42-ABA2-0BC069CD8E7F}" type="datetimeFigureOut">
               <a:rPr lang="en-US" smtClean="0"/>
-              <a:t>4/5/2019</a:t>
+              <a:t>2021-11-07</a:t>
             </a:fld>
             <a:endParaRPr lang="en-US"/>
           </a:p>
@@ -1175,10 +1166,9 @@
           <a:lstStyle/>
           <a:p>
             <a:r>
-              <a:rPr lang="en-US" smtClean="0"/>
+              <a:rPr lang="en-US"/>
               <a:t>Click to edit Master title style</a:t>
             </a:r>
-            <a:endParaRPr lang="en-US"/>
           </a:p>
         </p:txBody>
       </p:sp>
@@ -1194,8 +1184,8 @@
         </p:nvSpPr>
         <p:spPr>
           <a:xfrm>
-            <a:off x="457200" y="1600200"/>
-            <a:ext cx="4038600" cy="4525963"/>
+            <a:off x="609600" y="1600201"/>
+            <a:ext cx="5384800" cy="4525963"/>
           </a:xfrm>
         </p:spPr>
         <p:txBody>
@@ -1232,38 +1222,37 @@
           <a:p>
             <a:pPr lvl="0"/>
             <a:r>
-              <a:rPr lang="en-US" smtClean="0"/>
+              <a:rPr lang="en-US"/>
               <a:t>Click to edit Master text styles</a:t>
             </a:r>
           </a:p>
           <a:p>
             <a:pPr lvl="1"/>
             <a:r>
-              <a:rPr lang="en-US" smtClean="0"/>
+              <a:rPr lang="en-US"/>
               <a:t>Second level</a:t>
             </a:r>
           </a:p>
           <a:p>
             <a:pPr lvl="2"/>
             <a:r>
-              <a:rPr lang="en-US" smtClean="0"/>
+              <a:rPr lang="en-US"/>
               <a:t>Third level</a:t>
             </a:r>
           </a:p>
           <a:p>
             <a:pPr lvl="3"/>
             <a:r>
-              <a:rPr lang="en-US" smtClean="0"/>
+              <a:rPr lang="en-US"/>
               <a:t>Fourth level</a:t>
             </a:r>
           </a:p>
           <a:p>
             <a:pPr lvl="4"/>
             <a:r>
-              <a:rPr lang="en-US" smtClean="0"/>
+              <a:rPr lang="en-US"/>
               <a:t>Fifth level</a:t>
             </a:r>
-            <a:endParaRPr lang="en-US"/>
           </a:p>
         </p:txBody>
       </p:sp>
@@ -1279,8 +1268,8 @@
         </p:nvSpPr>
         <p:spPr>
           <a:xfrm>
-            <a:off x="4648200" y="1600200"/>
-            <a:ext cx="4038600" cy="4525963"/>
+            <a:off x="6197600" y="1600201"/>
+            <a:ext cx="5384800" cy="4525963"/>
           </a:xfrm>
         </p:spPr>
         <p:txBody>
@@ -1317,38 +1306,37 @@
           <a:p>
             <a:pPr lvl="0"/>
             <a:r>
-              <a:rPr lang="en-US" smtClean="0"/>
+              <a:rPr lang="en-US"/>
               <a:t>Click to edit Master text styles</a:t>
             </a:r>
           </a:p>
           <a:p>
             <a:pPr lvl="1"/>
             <a:r>
-              <a:rPr lang="en-US" smtClean="0"/>
+              <a:rPr lang="en-US"/>
               <a:t>Second level</a:t>
             </a:r>
           </a:p>
           <a:p>
             <a:pPr lvl="2"/>
             <a:r>
-              <a:rPr lang="en-US" smtClean="0"/>
+              <a:rPr lang="en-US"/>
               <a:t>Third level</a:t>
             </a:r>
           </a:p>
           <a:p>
             <a:pPr lvl="3"/>
             <a:r>
-              <a:rPr lang="en-US" smtClean="0"/>
+              <a:rPr lang="en-US"/>
               <a:t>Fourth level</a:t>
             </a:r>
           </a:p>
           <a:p>
             <a:pPr lvl="4"/>
             <a:r>
-              <a:rPr lang="en-US" smtClean="0"/>
+              <a:rPr lang="en-US"/>
               <a:t>Fifth level</a:t>
             </a:r>
-            <a:endParaRPr lang="en-US"/>
           </a:p>
         </p:txBody>
       </p:sp>
@@ -1369,7 +1357,7 @@
           <a:p>
             <a:fld id="{241EB5C9-1307-BA42-ABA2-0BC069CD8E7F}" type="datetimeFigureOut">
               <a:rPr lang="en-US" smtClean="0"/>
-              <a:t>4/5/2019</a:t>
+              <a:t>2021-11-07</a:t>
             </a:fld>
             <a:endParaRPr lang="en-US"/>
           </a:p>
@@ -1467,10 +1455,9 @@
           </a:lstStyle>
           <a:p>
             <a:r>
-              <a:rPr lang="en-US" smtClean="0"/>
+              <a:rPr lang="en-US"/>
               <a:t>Click to edit Master title style</a:t>
             </a:r>
-            <a:endParaRPr lang="en-US"/>
           </a:p>
         </p:txBody>
       </p:sp>
@@ -1486,8 +1473,8 @@
         </p:nvSpPr>
         <p:spPr>
           <a:xfrm>
-            <a:off x="457200" y="1535113"/>
-            <a:ext cx="4040188" cy="639762"/>
+            <a:off x="609600" y="1535113"/>
+            <a:ext cx="5386917" cy="639762"/>
           </a:xfrm>
         </p:spPr>
         <p:txBody>
@@ -1533,7 +1520,7 @@
           <a:p>
             <a:pPr lvl="0"/>
             <a:r>
-              <a:rPr lang="en-US" smtClean="0"/>
+              <a:rPr lang="en-US"/>
               <a:t>Click to edit Master text styles</a:t>
             </a:r>
           </a:p>
@@ -1551,8 +1538,8 @@
         </p:nvSpPr>
         <p:spPr>
           <a:xfrm>
-            <a:off x="457200" y="2174875"/>
-            <a:ext cx="4040188" cy="3951288"/>
+            <a:off x="609600" y="2174875"/>
+            <a:ext cx="5386917" cy="3951288"/>
           </a:xfrm>
         </p:spPr>
         <p:txBody>
@@ -1589,38 +1576,37 @@
           <a:p>
             <a:pPr lvl="0"/>
             <a:r>
-              <a:rPr lang="en-US" smtClean="0"/>
+              <a:rPr lang="en-US"/>
               <a:t>Click to edit Master text styles</a:t>
             </a:r>
           </a:p>
           <a:p>
             <a:pPr lvl="1"/>
             <a:r>
-              <a:rPr lang="en-US" smtClean="0"/>
+              <a:rPr lang="en-US"/>
               <a:t>Second level</a:t>
             </a:r>
           </a:p>
           <a:p>
             <a:pPr lvl="2"/>
             <a:r>
-              <a:rPr lang="en-US" smtClean="0"/>
+              <a:rPr lang="en-US"/>
               <a:t>Third level</a:t>
             </a:r>
           </a:p>
           <a:p>
             <a:pPr lvl="3"/>
             <a:r>
-              <a:rPr lang="en-US" smtClean="0"/>
+              <a:rPr lang="en-US"/>
               <a:t>Fourth level</a:t>
             </a:r>
           </a:p>
           <a:p>
             <a:pPr lvl="4"/>
             <a:r>
-              <a:rPr lang="en-US" smtClean="0"/>
+              <a:rPr lang="en-US"/>
               <a:t>Fifth level</a:t>
             </a:r>
-            <a:endParaRPr lang="en-US"/>
           </a:p>
         </p:txBody>
       </p:sp>
@@ -1636,8 +1622,8 @@
         </p:nvSpPr>
         <p:spPr>
           <a:xfrm>
-            <a:off x="4645025" y="1535113"/>
-            <a:ext cx="4041775" cy="639762"/>
+            <a:off x="6193368" y="1535113"/>
+            <a:ext cx="5389033" cy="639762"/>
           </a:xfrm>
         </p:spPr>
         <p:txBody>
@@ -1683,7 +1669,7 @@
           <a:p>
             <a:pPr lvl="0"/>
             <a:r>
-              <a:rPr lang="en-US" smtClean="0"/>
+              <a:rPr lang="en-US"/>
               <a:t>Click to edit Master text styles</a:t>
             </a:r>
           </a:p>
@@ -1701,8 +1687,8 @@
         </p:nvSpPr>
         <p:spPr>
           <a:xfrm>
-            <a:off x="4645025" y="2174875"/>
-            <a:ext cx="4041775" cy="3951288"/>
+            <a:off x="6193368" y="2174875"/>
+            <a:ext cx="5389033" cy="3951288"/>
           </a:xfrm>
         </p:spPr>
         <p:txBody>
@@ -1739,38 +1725,37 @@
           <a:p>
             <a:pPr lvl="0"/>
             <a:r>
-              <a:rPr lang="en-US" smtClean="0"/>
+              <a:rPr lang="en-US"/>
               <a:t>Click to edit Master text styles</a:t>
             </a:r>
           </a:p>
           <a:p>
             <a:pPr lvl="1"/>
             <a:r>
-              <a:rPr lang="en-US" smtClean="0"/>
+              <a:rPr lang="en-US"/>
               <a:t>Second level</a:t>
             </a:r>
           </a:p>
           <a:p>
             <a:pPr lvl="2"/>
             <a:r>
-              <a:rPr lang="en-US" smtClean="0"/>
+              <a:rPr lang="en-US"/>
               <a:t>Third level</a:t>
             </a:r>
           </a:p>
           <a:p>
             <a:pPr lvl="3"/>
             <a:r>
-              <a:rPr lang="en-US" smtClean="0"/>
+              <a:rPr lang="en-US"/>
               <a:t>Fourth level</a:t>
             </a:r>
           </a:p>
           <a:p>
             <a:pPr lvl="4"/>
             <a:r>
-              <a:rPr lang="en-US" smtClean="0"/>
+              <a:rPr lang="en-US"/>
               <a:t>Fifth level</a:t>
             </a:r>
-            <a:endParaRPr lang="en-US"/>
           </a:p>
         </p:txBody>
       </p:sp>
@@ -1791,7 +1776,7 @@
           <a:p>
             <a:fld id="{241EB5C9-1307-BA42-ABA2-0BC069CD8E7F}" type="datetimeFigureOut">
               <a:rPr lang="en-US" smtClean="0"/>
-              <a:t>4/5/2019</a:t>
+              <a:t>2021-11-07</a:t>
             </a:fld>
             <a:endParaRPr lang="en-US"/>
           </a:p>
@@ -1885,10 +1870,9 @@
           <a:lstStyle/>
           <a:p>
             <a:r>
-              <a:rPr lang="en-US" smtClean="0"/>
+              <a:rPr lang="en-US"/>
               <a:t>Click to edit Master title style</a:t>
             </a:r>
-            <a:endParaRPr lang="en-US"/>
           </a:p>
         </p:txBody>
       </p:sp>
@@ -1909,7 +1893,7 @@
           <a:p>
             <a:fld id="{241EB5C9-1307-BA42-ABA2-0BC069CD8E7F}" type="datetimeFigureOut">
               <a:rPr lang="en-US" smtClean="0"/>
-              <a:t>4/5/2019</a:t>
+              <a:t>2021-11-07</a:t>
             </a:fld>
             <a:endParaRPr lang="en-US"/>
           </a:p>
@@ -2004,7 +1988,7 @@
           <a:p>
             <a:fld id="{241EB5C9-1307-BA42-ABA2-0BC069CD8E7F}" type="datetimeFigureOut">
               <a:rPr lang="en-US" smtClean="0"/>
-              <a:t>4/5/2019</a:t>
+              <a:t>2021-11-07</a:t>
             </a:fld>
             <a:endParaRPr lang="en-US"/>
           </a:p>
@@ -2094,8 +2078,8 @@
         </p:nvSpPr>
         <p:spPr>
           <a:xfrm>
-            <a:off x="457200" y="273050"/>
-            <a:ext cx="3008313" cy="1162050"/>
+            <a:off x="609601" y="273050"/>
+            <a:ext cx="4011084" cy="1162050"/>
           </a:xfrm>
         </p:spPr>
         <p:txBody>
@@ -2107,10 +2091,9 @@
           </a:lstStyle>
           <a:p>
             <a:r>
-              <a:rPr lang="en-US" smtClean="0"/>
+              <a:rPr lang="en-US"/>
               <a:t>Click to edit Master title style</a:t>
             </a:r>
-            <a:endParaRPr lang="en-US"/>
           </a:p>
         </p:txBody>
       </p:sp>
@@ -2126,8 +2109,8 @@
         </p:nvSpPr>
         <p:spPr>
           <a:xfrm>
-            <a:off x="3575050" y="273050"/>
-            <a:ext cx="5111750" cy="5853113"/>
+            <a:off x="4766733" y="273051"/>
+            <a:ext cx="6815667" cy="5853113"/>
           </a:xfrm>
         </p:spPr>
         <p:txBody>
@@ -2164,38 +2147,37 @@
           <a:p>
             <a:pPr lvl="0"/>
             <a:r>
-              <a:rPr lang="en-US" smtClean="0"/>
+              <a:rPr lang="en-US"/>
               <a:t>Click to edit Master text styles</a:t>
             </a:r>
           </a:p>
           <a:p>
             <a:pPr lvl="1"/>
             <a:r>
-              <a:rPr lang="en-US" smtClean="0"/>
+              <a:rPr lang="en-US"/>
               <a:t>Second level</a:t>
             </a:r>
           </a:p>
           <a:p>
             <a:pPr lvl="2"/>
             <a:r>
-              <a:rPr lang="en-US" smtClean="0"/>
+              <a:rPr lang="en-US"/>
               <a:t>Third level</a:t>
             </a:r>
           </a:p>
           <a:p>
             <a:pPr lvl="3"/>
             <a:r>
-              <a:rPr lang="en-US" smtClean="0"/>
+              <a:rPr lang="en-US"/>
               <a:t>Fourth level</a:t>
             </a:r>
           </a:p>
           <a:p>
             <a:pPr lvl="4"/>
             <a:r>
-              <a:rPr lang="en-US" smtClean="0"/>
+              <a:rPr lang="en-US"/>
               <a:t>Fifth level</a:t>
             </a:r>
-            <a:endParaRPr lang="en-US"/>
           </a:p>
         </p:txBody>
       </p:sp>
@@ -2211,8 +2193,8 @@
         </p:nvSpPr>
         <p:spPr>
           <a:xfrm>
-            <a:off x="457200" y="1435100"/>
-            <a:ext cx="3008313" cy="4691063"/>
+            <a:off x="609601" y="1435101"/>
+            <a:ext cx="4011084" cy="4691063"/>
           </a:xfrm>
         </p:spPr>
         <p:txBody>
@@ -2258,7 +2240,7 @@
           <a:p>
             <a:pPr lvl="0"/>
             <a:r>
-              <a:rPr lang="en-US" smtClean="0"/>
+              <a:rPr lang="en-US"/>
               <a:t>Click to edit Master text styles</a:t>
             </a:r>
           </a:p>
@@ -2281,7 +2263,7 @@
           <a:p>
             <a:fld id="{241EB5C9-1307-BA42-ABA2-0BC069CD8E7F}" type="datetimeFigureOut">
               <a:rPr lang="en-US" smtClean="0"/>
-              <a:t>4/5/2019</a:t>
+              <a:t>2021-11-07</a:t>
             </a:fld>
             <a:endParaRPr lang="en-US"/>
           </a:p>
@@ -2371,8 +2353,8 @@
         </p:nvSpPr>
         <p:spPr>
           <a:xfrm>
-            <a:off x="1792288" y="4800600"/>
-            <a:ext cx="5486400" cy="566738"/>
+            <a:off x="2389717" y="4800600"/>
+            <a:ext cx="7315200" cy="566738"/>
           </a:xfrm>
         </p:spPr>
         <p:txBody>
@@ -2384,10 +2366,9 @@
           </a:lstStyle>
           <a:p>
             <a:r>
-              <a:rPr lang="en-US" smtClean="0"/>
+              <a:rPr lang="en-US"/>
               <a:t>Click to edit Master title style</a:t>
             </a:r>
-            <a:endParaRPr lang="en-US"/>
           </a:p>
         </p:txBody>
       </p:sp>
@@ -2403,8 +2384,8 @@
         </p:nvSpPr>
         <p:spPr>
           <a:xfrm>
-            <a:off x="1792288" y="612775"/>
-            <a:ext cx="5486400" cy="4114800"/>
+            <a:off x="2389717" y="612775"/>
+            <a:ext cx="7315200" cy="4114800"/>
           </a:xfrm>
         </p:spPr>
         <p:txBody>
@@ -2464,8 +2445,8 @@
         </p:nvSpPr>
         <p:spPr>
           <a:xfrm>
-            <a:off x="1792288" y="5367338"/>
-            <a:ext cx="5486400" cy="804862"/>
+            <a:off x="2389717" y="5367338"/>
+            <a:ext cx="7315200" cy="804862"/>
           </a:xfrm>
         </p:spPr>
         <p:txBody>
@@ -2511,7 +2492,7 @@
           <a:p>
             <a:pPr lvl="0"/>
             <a:r>
-              <a:rPr lang="en-US" smtClean="0"/>
+              <a:rPr lang="en-US"/>
               <a:t>Click to edit Master text styles</a:t>
             </a:r>
           </a:p>
@@ -2534,7 +2515,7 @@
           <a:p>
             <a:fld id="{241EB5C9-1307-BA42-ABA2-0BC069CD8E7F}" type="datetimeFigureOut">
               <a:rPr lang="en-US" smtClean="0"/>
-              <a:t>4/5/2019</a:t>
+              <a:t>2021-11-07</a:t>
             </a:fld>
             <a:endParaRPr lang="en-US"/>
           </a:p>
@@ -2629,8 +2610,8 @@
         </p:nvSpPr>
         <p:spPr>
           <a:xfrm>
-            <a:off x="457200" y="274638"/>
-            <a:ext cx="8229600" cy="1143000"/>
+            <a:off x="609600" y="274638"/>
+            <a:ext cx="10972800" cy="1143000"/>
           </a:xfrm>
           <a:prstGeom prst="rect">
             <a:avLst/>
@@ -2643,10 +2624,9 @@
           <a:lstStyle/>
           <a:p>
             <a:r>
-              <a:rPr lang="en-US" smtClean="0"/>
+              <a:rPr lang="en-US"/>
               <a:t>Click to edit Master title style</a:t>
             </a:r>
-            <a:endParaRPr lang="en-US"/>
           </a:p>
         </p:txBody>
       </p:sp>
@@ -2662,8 +2642,8 @@
         </p:nvSpPr>
         <p:spPr>
           <a:xfrm>
-            <a:off x="457200" y="1600200"/>
-            <a:ext cx="8229600" cy="4525963"/>
+            <a:off x="609600" y="1600201"/>
+            <a:ext cx="10972800" cy="4525963"/>
           </a:xfrm>
           <a:prstGeom prst="rect">
             <a:avLst/>
@@ -2677,38 +2657,37 @@
           <a:p>
             <a:pPr lvl="0"/>
             <a:r>
-              <a:rPr lang="en-US" smtClean="0"/>
+              <a:rPr lang="en-US"/>
               <a:t>Click to edit Master text styles</a:t>
             </a:r>
           </a:p>
           <a:p>
             <a:pPr lvl="1"/>
             <a:r>
-              <a:rPr lang="en-US" smtClean="0"/>
+              <a:rPr lang="en-US"/>
               <a:t>Second level</a:t>
             </a:r>
           </a:p>
           <a:p>
             <a:pPr lvl="2"/>
             <a:r>
-              <a:rPr lang="en-US" smtClean="0"/>
+              <a:rPr lang="en-US"/>
               <a:t>Third level</a:t>
             </a:r>
           </a:p>
           <a:p>
             <a:pPr lvl="3"/>
             <a:r>
-              <a:rPr lang="en-US" smtClean="0"/>
+              <a:rPr lang="en-US"/>
               <a:t>Fourth level</a:t>
             </a:r>
           </a:p>
           <a:p>
             <a:pPr lvl="4"/>
             <a:r>
-              <a:rPr lang="en-US" smtClean="0"/>
+              <a:rPr lang="en-US"/>
               <a:t>Fifth level</a:t>
             </a:r>
-            <a:endParaRPr lang="en-US"/>
           </a:p>
         </p:txBody>
       </p:sp>
@@ -2724,8 +2703,8 @@
         </p:nvSpPr>
         <p:spPr>
           <a:xfrm>
-            <a:off x="457200" y="6356350"/>
-            <a:ext cx="2133600" cy="365125"/>
+            <a:off x="609600" y="6356351"/>
+            <a:ext cx="2844800" cy="365125"/>
           </a:xfrm>
           <a:prstGeom prst="rect">
             <a:avLst/>
@@ -2747,7 +2726,7 @@
           <a:p>
             <a:fld id="{241EB5C9-1307-BA42-ABA2-0BC069CD8E7F}" type="datetimeFigureOut">
               <a:rPr lang="en-US" smtClean="0"/>
-              <a:t>4/5/2019</a:t>
+              <a:t>2021-11-07</a:t>
             </a:fld>
             <a:endParaRPr lang="en-US"/>
           </a:p>
@@ -2765,8 +2744,8 @@
         </p:nvSpPr>
         <p:spPr>
           <a:xfrm>
-            <a:off x="3124200" y="6356350"/>
-            <a:ext cx="2895600" cy="365125"/>
+            <a:off x="4165600" y="6356351"/>
+            <a:ext cx="3860800" cy="365125"/>
           </a:xfrm>
           <a:prstGeom prst="rect">
             <a:avLst/>
@@ -2802,8 +2781,8 @@
         </p:nvSpPr>
         <p:spPr>
           <a:xfrm>
-            <a:off x="6553200" y="6356350"/>
-            <a:ext cx="2133600" cy="365125"/>
+            <a:off x="8737600" y="6356351"/>
+            <a:ext cx="2844800" cy="365125"/>
           </a:xfrm>
           <a:prstGeom prst="rect">
             <a:avLst/>

--- a/presentation/render/eng_contextual_awareness.pptx
+++ b/presentation/render/eng_contextual_awareness.pptx
@@ -17,6 +17,7 @@
     <p:sldId id="265" r:id="rId11"/>
     <p:sldId id="266" r:id="rId12"/>
     <p:sldId id="267" r:id="rId13"/>
+    <p:sldId id="268" r:id="rId14"/>
   </p:sldIdLst>
   <p:sldSz cx="12192000" cy="6858000"/>
   <p:notesSz cx="6858000" cy="9144000"/>
@@ -2624,7 +2625,7 @@
           <a:lstStyle/>
           <a:p>
             <a:r>
-              <a:rPr lang="en-US"/>
+              <a:rPr dirty="0" lang="en-US"/>
               <a:t>Click to edit Master title style</a:t>
             </a:r>
           </a:p>
@@ -2840,7 +2841,7 @@
         <a:buNone/>
         <a:defRPr kern="1200" sz="4400">
           <a:solidFill>
-            <a:schemeClr val="tx1"/>
+            <a:srgbClr val="002060"/>
           </a:solidFill>
           <a:latin typeface="+mj-lt"/>
           <a:ea typeface="+mj-ea"/>
@@ -3103,12 +3104,12 @@
       </p:grpSpPr>
       <p:sp>
         <p:nvSpPr>
-          <p:cNvPr id="2" name="Title 1"/>
-          <p:cNvSpPr>
-            <a:spLocks noGrp="1"/>
-          </p:cNvSpPr>
-          <p:nvPr>
-            <p:ph type="title"/>
+          <p:cNvPr id="3" name="Content Placeholder 2"/>
+          <p:cNvSpPr>
+            <a:spLocks noGrp="1"/>
+          </p:cNvSpPr>
+          <p:nvPr>
+            <p:ph idx="1"/>
           </p:nvPr>
         </p:nvSpPr>
         <p:spPr/>
@@ -3121,44 +3122,7 @@
             </a:pPr>
             <a:r>
               <a:rPr/>
-              <a:t>Contextual</a:t>
-            </a:r>
-            <a:r>
-              <a:rPr/>
-              <a:t> </a:t>
-            </a:r>
-            <a:r>
-              <a:rPr/>
-              <a:t>Awareness</a:t>
-            </a:r>
-          </a:p>
-        </p:txBody>
-      </p:sp>
-      <p:sp>
-        <p:nvSpPr>
-          <p:cNvPr id="3" name="Content Placeholder 2"/>
-          <p:cNvSpPr>
-            <a:spLocks noGrp="1"/>
-          </p:cNvSpPr>
-          <p:nvPr>
-            <p:ph idx="1"/>
-          </p:nvPr>
-        </p:nvSpPr>
-        <p:spPr/>
-        <p:txBody>
-          <a:bodyPr/>
-          <a:lstStyle/>
-          <a:p>
-            <a:pPr lvl="0" marL="0" indent="0">
-              <a:buNone/>
-            </a:pPr>
-            <a:r>
-              <a:rPr/>
-              <a:t>Chéyo Jiménez, MSE </a:t>
-            </a:r>
-            <a:r>
-              <a:rPr i="1"/>
-              <a:t>Oct, 2021</a:t>
+              <a:t>marp: true</a:t>
             </a:r>
           </a:p>
         </p:txBody>
@@ -3205,7 +3169,7 @@
             </a:pPr>
             <a:r>
               <a:rPr/>
-              <a:t>Synchronous</a:t>
+              <a:t>Async</a:t>
             </a:r>
             <a:r>
               <a:rPr/>
@@ -3221,6 +3185,14 @@
             </a:r>
             <a:r>
               <a:rPr/>
+              <a:t>ReadOnly</a:t>
+            </a:r>
+            <a:r>
+              <a:rPr/>
+              <a:t> </a:t>
+            </a:r>
+            <a:r>
+              <a:rPr/>
               <a:t>Medium</a:t>
             </a:r>
           </a:p>
@@ -3244,28 +3216,42 @@
             <a:pPr lvl="1"/>
             <a:r>
               <a:rPr/>
-              <a:t>Realtime Collaboration.</a:t>
+              <a:t>Audio/Visual</a:t>
             </a:r>
           </a:p>
           <a:p>
             <a:pPr lvl="2"/>
             <a:r>
               <a:rPr/>
-              <a:t>Meeting, live chat, in person conversation</a:t>
+              <a:t>Recorded presentation</a:t>
             </a:r>
           </a:p>
           <a:p>
             <a:pPr lvl="1"/>
             <a:r>
               <a:rPr/>
-              <a:t>Single use. Need to repeat for every new person or group of folks.</a:t>
-            </a:r>
-          </a:p>
-          <a:p>
-            <a:pPr lvl="1"/>
-            <a:r>
-              <a:rPr/>
-              <a:t>Doesn’t scale but they are useful.</a:t>
+              <a:t>Documentation Website (No process to contribute)</a:t>
+            </a:r>
+          </a:p>
+          <a:p>
+            <a:pPr lvl="2"/>
+            <a:r>
+              <a:rPr/>
+              <a:t>Guides</a:t>
+            </a:r>
+          </a:p>
+          <a:p>
+            <a:pPr lvl="3"/>
+            <a:r>
+              <a:rPr/>
+              <a:t>Troubleshooting Guides</a:t>
+            </a:r>
+          </a:p>
+          <a:p>
+            <a:pPr lvl="3"/>
+            <a:r>
+              <a:rPr/>
+              <a:t>Tutorials</a:t>
             </a:r>
           </a:p>
         </p:txBody>
@@ -3312,7 +3298,7 @@
             </a:pPr>
             <a:r>
               <a:rPr/>
-              <a:t>Desired</a:t>
+              <a:t>Synchronous</a:t>
             </a:r>
             <a:r>
               <a:rPr/>
@@ -3320,7 +3306,7 @@
             </a:r>
             <a:r>
               <a:rPr/>
-              <a:t>qualities</a:t>
+              <a:t>Context</a:t>
             </a:r>
             <a:r>
               <a:rPr/>
@@ -3328,23 +3314,7 @@
             </a:r>
             <a:r>
               <a:rPr/>
-              <a:t>of</a:t>
-            </a:r>
-            <a:r>
-              <a:rPr/>
-              <a:t> </a:t>
-            </a:r>
-            <a:r>
-              <a:rPr/>
-              <a:t>context</a:t>
-            </a:r>
-            <a:r>
-              <a:rPr/>
-              <a:t> </a:t>
-            </a:r>
-            <a:r>
-              <a:rPr/>
-              <a:t>sharing</a:t>
+              <a:t>Medium</a:t>
             </a:r>
           </a:p>
         </p:txBody>
@@ -3367,14 +3337,28 @@
             <a:pPr lvl="1"/>
             <a:r>
               <a:rPr/>
-              <a:t>Available in asynchronous medium in a way that is easy for the consumer and to contribute updates.</a:t>
+              <a:t>Realtime Collaboration.</a:t>
+            </a:r>
+          </a:p>
+          <a:p>
+            <a:pPr lvl="2"/>
+            <a:r>
+              <a:rPr/>
+              <a:t>Meeting, live chat, in person conversation</a:t>
             </a:r>
           </a:p>
           <a:p>
             <a:pPr lvl="1"/>
             <a:r>
               <a:rPr/>
-              <a:t>Subject matter experts are available over asynchronous communication to help clarify questions. Sync meetings can be arranged on case by case basis as need arises (this should enhance asynchronous communication)</a:t>
+              <a:t>Single use. Need to repeat for every new person or group of folks.</a:t>
+            </a:r>
+          </a:p>
+          <a:p>
+            <a:pPr lvl="1"/>
+            <a:r>
+              <a:rPr/>
+              <a:t>Doesn’t scale but they are useful.</a:t>
             </a:r>
           </a:p>
         </p:txBody>
@@ -3421,6 +3405,115 @@
             </a:pPr>
             <a:r>
               <a:rPr/>
+              <a:t>Desired</a:t>
+            </a:r>
+            <a:r>
+              <a:rPr/>
+              <a:t> </a:t>
+            </a:r>
+            <a:r>
+              <a:rPr/>
+              <a:t>qualities</a:t>
+            </a:r>
+            <a:r>
+              <a:rPr/>
+              <a:t> </a:t>
+            </a:r>
+            <a:r>
+              <a:rPr/>
+              <a:t>of</a:t>
+            </a:r>
+            <a:r>
+              <a:rPr/>
+              <a:t> </a:t>
+            </a:r>
+            <a:r>
+              <a:rPr/>
+              <a:t>context</a:t>
+            </a:r>
+            <a:r>
+              <a:rPr/>
+              <a:t> </a:t>
+            </a:r>
+            <a:r>
+              <a:rPr/>
+              <a:t>sharing</a:t>
+            </a:r>
+          </a:p>
+        </p:txBody>
+      </p:sp>
+      <p:sp>
+        <p:nvSpPr>
+          <p:cNvPr id="3" name="Content Placeholder 2"/>
+          <p:cNvSpPr>
+            <a:spLocks noGrp="1"/>
+          </p:cNvSpPr>
+          <p:nvPr>
+            <p:ph idx="1"/>
+          </p:nvPr>
+        </p:nvSpPr>
+        <p:spPr/>
+        <p:txBody>
+          <a:bodyPr/>
+          <a:lstStyle/>
+          <a:p>
+            <a:pPr lvl="1"/>
+            <a:r>
+              <a:rPr/>
+              <a:t>Available in asynchronous medium in a way that is easy for the consumer and to contribute updates.</a:t>
+            </a:r>
+          </a:p>
+          <a:p>
+            <a:pPr lvl="1"/>
+            <a:r>
+              <a:rPr/>
+              <a:t>Subject matter experts are available over asynchronous communication to help clarify questions. Sync meetings can be arranged on case by case basis as need arises (this should enhance asynchronous communication)</a:t>
+            </a:r>
+          </a:p>
+        </p:txBody>
+      </p:sp>
+    </p:spTree>
+  </p:cSld>
+</p:sld>
+</file>
+
+<file path=ppt/slides/slide13.xml><?xml version="1.0" encoding="utf-8"?>
+<p:sld xmlns:a="http://schemas.openxmlformats.org/drawingml/2006/main" xmlns:r="http://schemas.openxmlformats.org/officeDocument/2006/relationships" xmlns:p="http://schemas.openxmlformats.org/presentationml/2006/main">
+  <p:cSld>
+    <p:spTree>
+      <p:nvGrpSpPr>
+        <p:cNvPr id="1" name=""/>
+        <p:cNvGrpSpPr/>
+        <p:nvPr/>
+      </p:nvGrpSpPr>
+      <p:grpSpPr>
+        <a:xfrm>
+          <a:off x="0" y="0"/>
+          <a:ext cx="0" cy="0"/>
+          <a:chOff x="0" y="0"/>
+          <a:chExt cx="0" cy="0"/>
+        </a:xfrm>
+      </p:grpSpPr>
+      <p:sp>
+        <p:nvSpPr>
+          <p:cNvPr id="2" name="Title 1"/>
+          <p:cNvSpPr>
+            <a:spLocks noGrp="1"/>
+          </p:cNvSpPr>
+          <p:nvPr>
+            <p:ph type="title"/>
+          </p:nvPr>
+        </p:nvSpPr>
+        <p:spPr/>
+        <p:txBody>
+          <a:bodyPr/>
+          <a:lstStyle/>
+          <a:p>
+            <a:pPr lvl="0" marL="0" indent="0">
+              <a:buNone/>
+            </a:pPr>
+            <a:r>
+              <a:rPr/>
               <a:t>Economics</a:t>
             </a:r>
           </a:p>
@@ -3493,7 +3586,7 @@
             </a:pPr>
             <a:r>
               <a:rPr/>
-              <a:t>What</a:t>
+              <a:t>Contextual</a:t>
             </a:r>
             <a:r>
               <a:rPr/>
@@ -3501,15 +3594,7 @@
             </a:r>
             <a:r>
               <a:rPr/>
-              <a:t>is</a:t>
-            </a:r>
-            <a:r>
-              <a:rPr/>
-              <a:t> </a:t>
-            </a:r>
-            <a:r>
-              <a:rPr/>
-              <a:t>context?</a:t>
+              <a:t>Awareness</a:t>
             </a:r>
           </a:p>
         </p:txBody>
@@ -3529,38 +3614,16 @@
           <a:bodyPr/>
           <a:lstStyle/>
           <a:p>
-            <a:pPr lvl="1"/>
-            <a:r>
-              <a:rPr/>
-              <a:t>Past events recorded to be passed down to the future.</a:t>
-            </a:r>
-          </a:p>
-          <a:p>
-            <a:pPr lvl="1"/>
-            <a:r>
-              <a:rPr/>
-              <a:t>Contextual</a:t>
-            </a:r>
-          </a:p>
-          <a:p>
-            <a:pPr lvl="2"/>
-            <a:r>
-              <a:rPr/>
-              <a:t>It depends on when, where.</a:t>
-            </a:r>
-          </a:p>
-          <a:p>
-            <a:pPr lvl="1"/>
-            <a:r>
-              <a:rPr/>
-              <a:t>Static and Dynamic</a:t>
-            </a:r>
-          </a:p>
-          <a:p>
-            <a:pPr lvl="2"/>
-            <a:r>
-              <a:rPr/>
-              <a:t>Static wrt past revisions. Dynamic wrt to now.</a:t>
+            <a:pPr lvl="0" marL="0" indent="0">
+              <a:buNone/>
+            </a:pPr>
+            <a:r>
+              <a:rPr/>
+              <a:t>Chéyo Jiménez, MSE </a:t>
+            </a:r>
+            <a:r>
+              <a:rPr i="1"/>
+              <a:t>Oct, 2021</a:t>
             </a:r>
           </a:p>
         </p:txBody>
@@ -3607,7 +3670,7 @@
             </a:pPr>
             <a:r>
               <a:rPr/>
-              <a:t>End</a:t>
+              <a:t>What</a:t>
             </a:r>
             <a:r>
               <a:rPr/>
@@ -3615,7 +3678,15 @@
             </a:r>
             <a:r>
               <a:rPr/>
-              <a:t>goals</a:t>
+              <a:t>is</a:t>
+            </a:r>
+            <a:r>
+              <a:rPr/>
+              <a:t> </a:t>
+            </a:r>
+            <a:r>
+              <a:rPr/>
+              <a:t>context?</a:t>
             </a:r>
           </a:p>
         </p:txBody>
@@ -3638,14 +3709,35 @@
             <a:pPr lvl="1"/>
             <a:r>
               <a:rPr/>
-              <a:t>Highlight behaviors that maximize context sharing</a:t>
+              <a:t>Past events recorded to be passed down to the future.</a:t>
             </a:r>
           </a:p>
           <a:p>
             <a:pPr lvl="1"/>
             <a:r>
               <a:rPr/>
-              <a:t>Stablish patterns to detect gaps in context and how to keep context alive</a:t>
+              <a:t>Contextual</a:t>
+            </a:r>
+          </a:p>
+          <a:p>
+            <a:pPr lvl="2"/>
+            <a:r>
+              <a:rPr/>
+              <a:t>It depends on when, where.</a:t>
+            </a:r>
+          </a:p>
+          <a:p>
+            <a:pPr lvl="1"/>
+            <a:r>
+              <a:rPr/>
+              <a:t>Static and Dynamic</a:t>
+            </a:r>
+          </a:p>
+          <a:p>
+            <a:pPr lvl="2"/>
+            <a:r>
+              <a:rPr/>
+              <a:t>Static wrt past revisions. Dynamic wrt to now.</a:t>
             </a:r>
           </a:p>
         </p:txBody>
@@ -3692,7 +3784,7 @@
             </a:pPr>
             <a:r>
               <a:rPr/>
-              <a:t>Context</a:t>
+              <a:t>End</a:t>
             </a:r>
             <a:r>
               <a:rPr/>
@@ -3700,15 +3792,7 @@
             </a:r>
             <a:r>
               <a:rPr/>
-              <a:t>about</a:t>
-            </a:r>
-            <a:r>
-              <a:rPr/>
-              <a:t> </a:t>
-            </a:r>
-            <a:r>
-              <a:rPr/>
-              <a:t>context</a:t>
+              <a:t>goals</a:t>
             </a:r>
           </a:p>
         </p:txBody>
@@ -3731,7 +3815,14 @@
             <a:pPr lvl="1"/>
             <a:r>
               <a:rPr/>
-              <a:t>It’s contexts all the way down</a:t>
+              <a:t>Highlight behaviors that maximize context sharing</a:t>
+            </a:r>
+          </a:p>
+          <a:p>
+            <a:pPr lvl="1"/>
+            <a:r>
+              <a:rPr/>
+              <a:t>Stablish patterns to detect gaps in context and how to keep context alive</a:t>
             </a:r>
           </a:p>
         </p:txBody>
@@ -3778,7 +3869,7 @@
             </a:pPr>
             <a:r>
               <a:rPr/>
-              <a:t>Etymology</a:t>
+              <a:t>Context</a:t>
             </a:r>
             <a:r>
               <a:rPr/>
@@ -3786,7 +3877,7 @@
             </a:r>
             <a:r>
               <a:rPr/>
-              <a:t>of</a:t>
+              <a:t>about</a:t>
             </a:r>
             <a:r>
               <a:rPr/>
@@ -3817,44 +3908,7 @@
             <a:pPr lvl="1"/>
             <a:r>
               <a:rPr/>
-              <a:t>Root Latin </a:t>
-            </a:r>
-            <a:r>
-              <a:rPr>
-                <a:latin typeface="Courier"/>
-              </a:rPr>
-              <a:t>contextus</a:t>
-            </a:r>
-            <a:r>
-              <a:rPr/>
-              <a:t>, from </a:t>
-            </a:r>
-            <a:r>
-              <a:rPr>
-                <a:latin typeface="Courier"/>
-              </a:rPr>
-              <a:t>con</a:t>
-            </a:r>
-            <a:r>
-              <a:rPr/>
-              <a:t>- ‘together’ + </a:t>
-            </a:r>
-            <a:r>
-              <a:rPr>
-                <a:latin typeface="Courier"/>
-              </a:rPr>
-              <a:t>texere</a:t>
-            </a:r>
-            <a:r>
-              <a:rPr/>
-              <a:t> ‘to weave’.</a:t>
-            </a:r>
-          </a:p>
-          <a:p>
-            <a:pPr lvl="1"/>
-            <a:r>
-              <a:rPr/>
-              <a:t>Same root word as text.</a:t>
+              <a:t>It’s contexts all the way down</a:t>
             </a:r>
           </a:p>
         </p:txBody>
@@ -3901,7 +3955,7 @@
             </a:pPr>
             <a:r>
               <a:rPr/>
-              <a:t>Human</a:t>
+              <a:t>Etymology</a:t>
             </a:r>
             <a:r>
               <a:rPr/>
@@ -3909,7 +3963,7 @@
             </a:r>
             <a:r>
               <a:rPr/>
-              <a:t>Context</a:t>
+              <a:t>of</a:t>
             </a:r>
             <a:r>
               <a:rPr/>
@@ -3917,23 +3971,7 @@
             </a:r>
             <a:r>
               <a:rPr/>
-              <a:t>w.r.t</a:t>
-            </a:r>
-            <a:r>
-              <a:rPr/>
-              <a:t> </a:t>
-            </a:r>
-            <a:r>
-              <a:rPr/>
-              <a:t>Engineering</a:t>
-            </a:r>
-            <a:r>
-              <a:rPr/>
-              <a:t> </a:t>
-            </a:r>
-            <a:r>
-              <a:rPr/>
-              <a:t>product</a:t>
+              <a:t>context</a:t>
             </a:r>
           </a:p>
         </p:txBody>
@@ -3956,14 +3994,44 @@
             <a:pPr lvl="1"/>
             <a:r>
               <a:rPr/>
-              <a:t>Folks Contributing (We will focus here)</a:t>
+              <a:t>Root Latin </a:t>
+            </a:r>
+            <a:r>
+              <a:rPr>
+                <a:latin typeface="Courier"/>
+              </a:rPr>
+              <a:t>contextus</a:t>
+            </a:r>
+            <a:r>
+              <a:rPr/>
+              <a:t>, from </a:t>
+            </a:r>
+            <a:r>
+              <a:rPr>
+                <a:latin typeface="Courier"/>
+              </a:rPr>
+              <a:t>con</a:t>
+            </a:r>
+            <a:r>
+              <a:rPr/>
+              <a:t>- ‘together’ + </a:t>
+            </a:r>
+            <a:r>
+              <a:rPr>
+                <a:latin typeface="Courier"/>
+              </a:rPr>
+              <a:t>texere</a:t>
+            </a:r>
+            <a:r>
+              <a:rPr/>
+              <a:t> ‘to weave’.</a:t>
             </a:r>
           </a:p>
           <a:p>
             <a:pPr lvl="1"/>
             <a:r>
               <a:rPr/>
-              <a:t>Folks using product</a:t>
+              <a:t>Same root word as text.</a:t>
             </a:r>
           </a:p>
         </p:txBody>
@@ -4010,7 +4078,7 @@
             </a:pPr>
             <a:r>
               <a:rPr/>
-              <a:t>Folks</a:t>
+              <a:t>Human</a:t>
             </a:r>
             <a:r>
               <a:rPr/>
@@ -4018,7 +4086,31 @@
             </a:r>
             <a:r>
               <a:rPr/>
-              <a:t>Contributing</a:t>
+              <a:t>Context</a:t>
+            </a:r>
+            <a:r>
+              <a:rPr/>
+              <a:t> </a:t>
+            </a:r>
+            <a:r>
+              <a:rPr/>
+              <a:t>w.r.t</a:t>
+            </a:r>
+            <a:r>
+              <a:rPr/>
+              <a:t> </a:t>
+            </a:r>
+            <a:r>
+              <a:rPr/>
+              <a:t>Engineering</a:t>
+            </a:r>
+            <a:r>
+              <a:rPr/>
+              <a:t> </a:t>
+            </a:r>
+            <a:r>
+              <a:rPr/>
+              <a:t>product</a:t>
             </a:r>
           </a:p>
         </p:txBody>
@@ -4041,28 +4133,14 @@
             <a:pPr lvl="1"/>
             <a:r>
               <a:rPr/>
-              <a:t>Async vs synchronous contribution</a:t>
+              <a:t>Folks Contributing (We will focus here)</a:t>
             </a:r>
           </a:p>
           <a:p>
             <a:pPr lvl="1"/>
             <a:r>
               <a:rPr/>
-              <a:t>ReadWrite vs ReadOnly</a:t>
-            </a:r>
-          </a:p>
-          <a:p>
-            <a:pPr lvl="1"/>
-            <a:r>
-              <a:rPr/>
-              <a:t>Short Term vs (Mid to Long term)</a:t>
-            </a:r>
-          </a:p>
-          <a:p>
-            <a:pPr lvl="2"/>
-            <a:r>
-              <a:rPr/>
-              <a:t>Fixing a bug vs Maintainer</a:t>
+              <a:t>Folks using product</a:t>
             </a:r>
           </a:p>
         </p:txBody>
@@ -4109,7 +4187,7 @@
             </a:pPr>
             <a:r>
               <a:rPr/>
-              <a:t>Async</a:t>
+              <a:t>Folks</a:t>
             </a:r>
             <a:r>
               <a:rPr/>
@@ -4117,23 +4195,7 @@
             </a:r>
             <a:r>
               <a:rPr/>
-              <a:t>Context</a:t>
-            </a:r>
-            <a:r>
-              <a:rPr/>
-              <a:t> </a:t>
-            </a:r>
-            <a:r>
-              <a:rPr/>
-              <a:t>ReadWrite</a:t>
-            </a:r>
-            <a:r>
-              <a:rPr/>
-              <a:t> </a:t>
-            </a:r>
-            <a:r>
-              <a:rPr/>
-              <a:t>Medium</a:t>
+              <a:t>Contributing</a:t>
             </a:r>
           </a:p>
         </p:txBody>
@@ -4156,84 +4218,28 @@
             <a:pPr lvl="1"/>
             <a:r>
               <a:rPr/>
-              <a:t>Text</a:t>
+              <a:t>Async vs synchronous contribution</a:t>
+            </a:r>
+          </a:p>
+          <a:p>
+            <a:pPr lvl="1"/>
+            <a:r>
+              <a:rPr/>
+              <a:t>ReadWrite vs ReadOnly</a:t>
+            </a:r>
+          </a:p>
+          <a:p>
+            <a:pPr lvl="1"/>
+            <a:r>
+              <a:rPr/>
+              <a:t>Short Term vs (Mid to Long term)</a:t>
             </a:r>
           </a:p>
           <a:p>
             <a:pPr lvl="2"/>
             <a:r>
               <a:rPr/>
-              <a:t>Markdown, Wiki, Word</a:t>
-            </a:r>
-          </a:p>
-          <a:p>
-            <a:pPr lvl="1"/>
-            <a:r>
-              <a:rPr/>
-              <a:t>Visual</a:t>
-            </a:r>
-          </a:p>
-          <a:p>
-            <a:pPr lvl="2"/>
-            <a:r>
-              <a:rPr/>
-              <a:t>Graphics</a:t>
-            </a:r>
-          </a:p>
-          <a:p>
-            <a:pPr lvl="3"/>
-            <a:r>
-              <a:rPr/>
-              <a:t>Drawings</a:t>
-            </a:r>
-          </a:p>
-          <a:p>
-            <a:pPr lvl="4"/>
-            <a:r>
-              <a:rPr/>
-              <a:t>Paint app, photo of markerboard/smartboard, vector app.</a:t>
-            </a:r>
-          </a:p>
-          <a:p>
-            <a:pPr lvl="2"/>
-            <a:r>
-              <a:rPr/>
-              <a:t>Presentation</a:t>
-            </a:r>
-          </a:p>
-          <a:p>
-            <a:pPr lvl="3"/>
-            <a:r>
-              <a:rPr/>
-              <a:t>PowerPoint Slides</a:t>
-            </a:r>
-          </a:p>
-          <a:p>
-            <a:pPr lvl="1"/>
-            <a:r>
-              <a:rPr/>
-              <a:t>Interactive</a:t>
-            </a:r>
-          </a:p>
-          <a:p>
-            <a:pPr lvl="2"/>
-            <a:r>
-              <a:rPr/>
-              <a:t>PR collaboration</a:t>
-            </a:r>
-          </a:p>
-          <a:p>
-            <a:pPr lvl="2"/>
-            <a:r>
-              <a:rPr/>
-              <a:t>Word document comments</a:t>
-            </a:r>
-          </a:p>
-          <a:p>
-            <a:pPr lvl="2"/>
-            <a:r>
-              <a:rPr/>
-              <a:t>Email</a:t>
+              <a:t>Fixing a bug vs Maintainer</a:t>
             </a:r>
           </a:p>
         </p:txBody>
@@ -4296,7 +4302,7 @@
             </a:r>
             <a:r>
               <a:rPr/>
-              <a:t>ReadOnly</a:t>
+              <a:t>ReadWrite</a:t>
             </a:r>
             <a:r>
               <a:rPr/>
@@ -4327,42 +4333,84 @@
             <a:pPr lvl="1"/>
             <a:r>
               <a:rPr/>
-              <a:t>Audio/Visual</a:t>
+              <a:t>Text</a:t>
             </a:r>
           </a:p>
           <a:p>
             <a:pPr lvl="2"/>
             <a:r>
               <a:rPr/>
-              <a:t>Recorded presentation</a:t>
+              <a:t>Markdown, Wiki, Word</a:t>
             </a:r>
           </a:p>
           <a:p>
             <a:pPr lvl="1"/>
             <a:r>
               <a:rPr/>
-              <a:t>Documentation Website (No process to contribute)</a:t>
+              <a:t>Visual</a:t>
             </a:r>
           </a:p>
           <a:p>
             <a:pPr lvl="2"/>
             <a:r>
               <a:rPr/>
-              <a:t>Guides</a:t>
+              <a:t>Graphics</a:t>
             </a:r>
           </a:p>
           <a:p>
             <a:pPr lvl="3"/>
             <a:r>
               <a:rPr/>
-              <a:t>Troubleshooting Guides</a:t>
+              <a:t>Drawings</a:t>
+            </a:r>
+          </a:p>
+          <a:p>
+            <a:pPr lvl="4"/>
+            <a:r>
+              <a:rPr/>
+              <a:t>Paint app, photo of markerboard/smartboard, vector app.</a:t>
+            </a:r>
+          </a:p>
+          <a:p>
+            <a:pPr lvl="2"/>
+            <a:r>
+              <a:rPr/>
+              <a:t>Presentation</a:t>
             </a:r>
           </a:p>
           <a:p>
             <a:pPr lvl="3"/>
             <a:r>
               <a:rPr/>
-              <a:t>Tutorials</a:t>
+              <a:t>PowerPoint Slides</a:t>
+            </a:r>
+          </a:p>
+          <a:p>
+            <a:pPr lvl="1"/>
+            <a:r>
+              <a:rPr/>
+              <a:t>Interactive</a:t>
+            </a:r>
+          </a:p>
+          <a:p>
+            <a:pPr lvl="2"/>
+            <a:r>
+              <a:rPr/>
+              <a:t>PR collaboration</a:t>
+            </a:r>
+          </a:p>
+          <a:p>
+            <a:pPr lvl="2"/>
+            <a:r>
+              <a:rPr/>
+              <a:t>Word document comments</a:t>
+            </a:r>
+          </a:p>
+          <a:p>
+            <a:pPr lvl="2"/>
+            <a:r>
+              <a:rPr/>
+              <a:t>Email</a:t>
             </a:r>
           </a:p>
         </p:txBody>
